--- a/slides/Unit28_Struct.pptx
+++ b/slides/Unit28_Struct.pptx
@@ -5,24 +5,23 @@
     <p:sldMasterId id="2147485087" r:id="rId1"/>
   </p:sldMasterIdLst>
   <p:notesMasterIdLst>
-    <p:notesMasterId r:id="rId14"/>
+    <p:notesMasterId r:id="rId13"/>
   </p:notesMasterIdLst>
   <p:handoutMasterIdLst>
-    <p:handoutMasterId r:id="rId15"/>
+    <p:handoutMasterId r:id="rId14"/>
   </p:handoutMasterIdLst>
   <p:sldIdLst>
     <p:sldId id="256" r:id="rId2"/>
     <p:sldId id="468" r:id="rId3"/>
     <p:sldId id="582" r:id="rId4"/>
     <p:sldId id="644" r:id="rId5"/>
-    <p:sldId id="638" r:id="rId6"/>
-    <p:sldId id="546" r:id="rId7"/>
-    <p:sldId id="645" r:id="rId8"/>
-    <p:sldId id="646" r:id="rId9"/>
-    <p:sldId id="647" r:id="rId10"/>
-    <p:sldId id="648" r:id="rId11"/>
-    <p:sldId id="649" r:id="rId12"/>
-    <p:sldId id="650" r:id="rId13"/>
+    <p:sldId id="546" r:id="rId6"/>
+    <p:sldId id="645" r:id="rId7"/>
+    <p:sldId id="646" r:id="rId8"/>
+    <p:sldId id="647" r:id="rId9"/>
+    <p:sldId id="648" r:id="rId10"/>
+    <p:sldId id="649" r:id="rId11"/>
+    <p:sldId id="650" r:id="rId12"/>
   </p:sldIdLst>
   <p:sldSz cx="9144000" cy="6858000" type="screen4x3"/>
   <p:notesSz cx="7010400" cy="9296400"/>
@@ -187,7 +186,7 @@
 <file path=ppt/revisionInfo.xml><?xml version="1.0" encoding="utf-8"?>
 <p1510:revInfo xmlns:a="http://schemas.openxmlformats.org/drawingml/2006/main" xmlns:r="http://schemas.openxmlformats.org/officeDocument/2006/relationships" xmlns:p1510="http://schemas.microsoft.com/office/powerpoint/2015/10/main">
   <p1510:revLst>
-    <p1510:client id="{2F5160B5-190D-47F4-8B49-2756B7773FD5}" v="901" dt="2021-03-16T06:18:22.084"/>
+    <p1510:client id="{2F5160B5-190D-47F4-8B49-2756B7773FD5}" v="921" dt="2021-04-05T01:11:39.063"/>
   </p1510:revLst>
 </p1510:revInfo>
 </file>
@@ -4680,7 +4679,7 @@
   <pc:docChgLst>
     <pc:chgData name="Zhao Jin" userId="cd05a825-544c-438a-9ba1-08e63db50b47" providerId="ADAL" clId="{2F5160B5-190D-47F4-8B49-2756B7773FD5}"/>
     <pc:docChg chg="undo custSel addSld delSld modSld">
-      <pc:chgData name="Zhao Jin" userId="cd05a825-544c-438a-9ba1-08e63db50b47" providerId="ADAL" clId="{2F5160B5-190D-47F4-8B49-2756B7773FD5}" dt="2021-03-16T06:19:40.055" v="3726" actId="47"/>
+      <pc:chgData name="Zhao Jin" userId="cd05a825-544c-438a-9ba1-08e63db50b47" providerId="ADAL" clId="{2F5160B5-190D-47F4-8B49-2756B7773FD5}" dt="2021-04-05T01:11:39.063" v="4068"/>
       <pc:docMkLst>
         <pc:docMk/>
       </pc:docMkLst>
@@ -4708,7 +4707,7 @@
         </pc:spChg>
       </pc:sldChg>
       <pc:sldChg chg="modSp mod">
-        <pc:chgData name="Zhao Jin" userId="cd05a825-544c-438a-9ba1-08e63db50b47" providerId="ADAL" clId="{2F5160B5-190D-47F4-8B49-2756B7773FD5}" dt="2021-03-16T05:58:28.654" v="2839"/>
+        <pc:chgData name="Zhao Jin" userId="cd05a825-544c-438a-9ba1-08e63db50b47" providerId="ADAL" clId="{2F5160B5-190D-47F4-8B49-2756B7773FD5}" dt="2021-04-05T00:56:54.534" v="4031" actId="20577"/>
         <pc:sldMkLst>
           <pc:docMk/>
           <pc:sldMk cId="2438607696" sldId="468"/>
@@ -4730,7 +4729,7 @@
           </ac:spMkLst>
         </pc:spChg>
         <pc:spChg chg="mod">
-          <ac:chgData name="Zhao Jin" userId="cd05a825-544c-438a-9ba1-08e63db50b47" providerId="ADAL" clId="{2F5160B5-190D-47F4-8B49-2756B7773FD5}" dt="2021-03-16T05:58:28.654" v="2839"/>
+          <ac:chgData name="Zhao Jin" userId="cd05a825-544c-438a-9ba1-08e63db50b47" providerId="ADAL" clId="{2F5160B5-190D-47F4-8B49-2756B7773FD5}" dt="2021-04-05T00:56:54.534" v="4031" actId="20577"/>
           <ac:spMkLst>
             <pc:docMk/>
             <pc:sldMk cId="2438607696" sldId="468"/>
@@ -4746,7 +4745,7 @@
         </pc:sldMkLst>
       </pc:sldChg>
       <pc:sldChg chg="delSp modSp add mod delAnim">
-        <pc:chgData name="Zhao Jin" userId="cd05a825-544c-438a-9ba1-08e63db50b47" providerId="ADAL" clId="{2F5160B5-190D-47F4-8B49-2756B7773FD5}" dt="2021-03-16T05:13:19.253" v="618" actId="14100"/>
+        <pc:chgData name="Zhao Jin" userId="cd05a825-544c-438a-9ba1-08e63db50b47" providerId="ADAL" clId="{2F5160B5-190D-47F4-8B49-2756B7773FD5}" dt="2021-04-05T01:09:51.386" v="4056" actId="20577"/>
         <pc:sldMkLst>
           <pc:docMk/>
           <pc:sldMk cId="2573090601" sldId="546"/>
@@ -4760,6 +4759,14 @@
           </ac:spMkLst>
         </pc:spChg>
         <pc:spChg chg="mod">
+          <ac:chgData name="Zhao Jin" userId="cd05a825-544c-438a-9ba1-08e63db50b47" providerId="ADAL" clId="{2F5160B5-190D-47F4-8B49-2756B7773FD5}" dt="2021-04-05T00:52:18.447" v="3735" actId="20577"/>
+          <ac:spMkLst>
+            <pc:docMk/>
+            <pc:sldMk cId="2573090601" sldId="546"/>
+            <ac:spMk id="8" creationId="{00000000-0000-0000-0000-000000000000}"/>
+          </ac:spMkLst>
+        </pc:spChg>
+        <pc:spChg chg="mod">
           <ac:chgData name="Zhao Jin" userId="cd05a825-544c-438a-9ba1-08e63db50b47" providerId="ADAL" clId="{2F5160B5-190D-47F4-8B49-2756B7773FD5}" dt="2021-03-16T05:13:02.825" v="557" actId="14100"/>
           <ac:spMkLst>
             <pc:docMk/>
@@ -4776,7 +4783,7 @@
           </ac:spMkLst>
         </pc:spChg>
         <pc:spChg chg="mod">
-          <ac:chgData name="Zhao Jin" userId="cd05a825-544c-438a-9ba1-08e63db50b47" providerId="ADAL" clId="{2F5160B5-190D-47F4-8B49-2756B7773FD5}" dt="2021-03-16T05:12:54.036" v="523" actId="20577"/>
+          <ac:chgData name="Zhao Jin" userId="cd05a825-544c-438a-9ba1-08e63db50b47" providerId="ADAL" clId="{2F5160B5-190D-47F4-8B49-2756B7773FD5}" dt="2021-04-05T01:09:51.386" v="4056" actId="20577"/>
           <ac:spMkLst>
             <pc:docMk/>
             <pc:sldMk cId="2573090601" sldId="546"/>
@@ -4840,7 +4847,7 @@
           </ac:spMkLst>
         </pc:spChg>
         <pc:spChg chg="mod">
-          <ac:chgData name="Zhao Jin" userId="cd05a825-544c-438a-9ba1-08e63db50b47" providerId="ADAL" clId="{2F5160B5-190D-47F4-8B49-2756B7773FD5}" dt="2021-03-16T05:11:30.029" v="388" actId="20577"/>
+          <ac:chgData name="Zhao Jin" userId="cd05a825-544c-438a-9ba1-08e63db50b47" providerId="ADAL" clId="{2F5160B5-190D-47F4-8B49-2756B7773FD5}" dt="2021-04-05T00:52:14.253" v="3730" actId="20577"/>
           <ac:spMkLst>
             <pc:docMk/>
             <pc:sldMk cId="2573090601" sldId="546"/>
@@ -4971,8 +4978,8 @@
           <pc:sldMk cId="3737971943" sldId="637"/>
         </pc:sldMkLst>
       </pc:sldChg>
-      <pc:sldChg chg="delSp modSp add mod">
-        <pc:chgData name="Zhao Jin" userId="cd05a825-544c-438a-9ba1-08e63db50b47" providerId="ADAL" clId="{2F5160B5-190D-47F4-8B49-2756B7773FD5}" dt="2021-03-16T05:05:50.678" v="54" actId="20577"/>
+      <pc:sldChg chg="delSp modSp add del mod modAnim">
+        <pc:chgData name="Zhao Jin" userId="cd05a825-544c-438a-9ba1-08e63db50b47" providerId="ADAL" clId="{2F5160B5-190D-47F4-8B49-2756B7773FD5}" dt="2021-04-05T01:09:16.594" v="4047" actId="47"/>
         <pc:sldMkLst>
           <pc:docMk/>
           <pc:sldMk cId="83552886" sldId="638"/>
@@ -5001,6 +5008,14 @@
             <ac:spMk id="14340" creationId="{00000000-0000-0000-0000-000000000000}"/>
           </ac:spMkLst>
         </pc:spChg>
+        <pc:grpChg chg="mod">
+          <ac:chgData name="Zhao Jin" userId="cd05a825-544c-438a-9ba1-08e63db50b47" providerId="ADAL" clId="{2F5160B5-190D-47F4-8B49-2756B7773FD5}" dt="2021-04-05T01:08:34.399" v="4046" actId="1076"/>
+          <ac:grpSpMkLst>
+            <pc:docMk/>
+            <pc:sldMk cId="83552886" sldId="638"/>
+            <ac:grpSpMk id="42" creationId="{00000000-0000-0000-0000-000000000000}"/>
+          </ac:grpSpMkLst>
+        </pc:grpChg>
       </pc:sldChg>
       <pc:sldChg chg="del">
         <pc:chgData name="Zhao Jin" userId="cd05a825-544c-438a-9ba1-08e63db50b47" providerId="ADAL" clId="{2F5160B5-190D-47F4-8B49-2756B7773FD5}" dt="2021-03-16T05:16:03.511" v="722" actId="47"/>
@@ -5037,8 +5052,8 @@
           <pc:sldMk cId="1514327557" sldId="643"/>
         </pc:sldMkLst>
       </pc:sldChg>
-      <pc:sldChg chg="delSp modSp add mod">
-        <pc:chgData name="Zhao Jin" userId="cd05a825-544c-438a-9ba1-08e63db50b47" providerId="ADAL" clId="{2F5160B5-190D-47F4-8B49-2756B7773FD5}" dt="2021-03-16T05:05:45.581" v="50" actId="20577"/>
+      <pc:sldChg chg="delSp modSp add mod modAnim">
+        <pc:chgData name="Zhao Jin" userId="cd05a825-544c-438a-9ba1-08e63db50b47" providerId="ADAL" clId="{2F5160B5-190D-47F4-8B49-2756B7773FD5}" dt="2021-04-05T01:08:15.181" v="4043"/>
         <pc:sldMkLst>
           <pc:docMk/>
           <pc:sldMk cId="635849530" sldId="644"/>
@@ -5052,6 +5067,14 @@
           </ac:spMkLst>
         </pc:spChg>
         <pc:spChg chg="mod">
+          <ac:chgData name="Zhao Jin" userId="cd05a825-544c-438a-9ba1-08e63db50b47" providerId="ADAL" clId="{2F5160B5-190D-47F4-8B49-2756B7773FD5}" dt="2021-04-05T01:08:05.572" v="4041" actId="20577"/>
+          <ac:spMkLst>
+            <pc:docMk/>
+            <pc:sldMk cId="635849530" sldId="644"/>
+            <ac:spMk id="69" creationId="{00000000-0000-0000-0000-000000000000}"/>
+          </ac:spMkLst>
+        </pc:spChg>
+        <pc:spChg chg="mod">
           <ac:chgData name="Zhao Jin" userId="cd05a825-544c-438a-9ba1-08e63db50b47" providerId="ADAL" clId="{2F5160B5-190D-47F4-8B49-2756B7773FD5}" dt="2021-03-16T05:05:45.581" v="50" actId="20577"/>
           <ac:spMkLst>
             <pc:docMk/>
@@ -5069,7 +5092,7 @@
         </pc:spChg>
       </pc:sldChg>
       <pc:sldChg chg="delSp modSp add mod">
-        <pc:chgData name="Zhao Jin" userId="cd05a825-544c-438a-9ba1-08e63db50b47" providerId="ADAL" clId="{2F5160B5-190D-47F4-8B49-2756B7773FD5}" dt="2021-03-16T05:22:39.999" v="999" actId="14100"/>
+        <pc:chgData name="Zhao Jin" userId="cd05a825-544c-438a-9ba1-08e63db50b47" providerId="ADAL" clId="{2F5160B5-190D-47F4-8B49-2756B7773FD5}" dt="2021-04-05T01:00:18.488" v="4033" actId="6549"/>
         <pc:sldMkLst>
           <pc:docMk/>
           <pc:sldMk cId="1716205057" sldId="645"/>
@@ -5083,6 +5106,14 @@
           </ac:spMkLst>
         </pc:spChg>
         <pc:spChg chg="mod">
+          <ac:chgData name="Zhao Jin" userId="cd05a825-544c-438a-9ba1-08e63db50b47" providerId="ADAL" clId="{2F5160B5-190D-47F4-8B49-2756B7773FD5}" dt="2021-04-05T01:00:18.488" v="4033" actId="6549"/>
+          <ac:spMkLst>
+            <pc:docMk/>
+            <pc:sldMk cId="1716205057" sldId="645"/>
+            <ac:spMk id="18" creationId="{00000000-0000-0000-0000-000000000000}"/>
+          </ac:spMkLst>
+        </pc:spChg>
+        <pc:spChg chg="mod">
           <ac:chgData name="Zhao Jin" userId="cd05a825-544c-438a-9ba1-08e63db50b47" providerId="ADAL" clId="{2F5160B5-190D-47F4-8B49-2756B7773FD5}" dt="2021-03-16T05:22:39.999" v="999" actId="14100"/>
           <ac:spMkLst>
             <pc:docMk/>
@@ -5091,7 +5122,7 @@
           </ac:spMkLst>
         </pc:spChg>
         <pc:spChg chg="mod">
-          <ac:chgData name="Zhao Jin" userId="cd05a825-544c-438a-9ba1-08e63db50b47" providerId="ADAL" clId="{2F5160B5-190D-47F4-8B49-2756B7773FD5}" dt="2021-03-16T05:11:32.613" v="391" actId="20577"/>
+          <ac:chgData name="Zhao Jin" userId="cd05a825-544c-438a-9ba1-08e63db50b47" providerId="ADAL" clId="{2F5160B5-190D-47F4-8B49-2756B7773FD5}" dt="2021-04-05T00:52:22.981" v="3738" actId="6549"/>
           <ac:spMkLst>
             <pc:docMk/>
             <pc:sldMk cId="1716205057" sldId="645"/>
@@ -5108,7 +5139,7 @@
         </pc:spChg>
       </pc:sldChg>
       <pc:sldChg chg="addSp delSp modSp add mod delAnim modAnim">
-        <pc:chgData name="Zhao Jin" userId="cd05a825-544c-438a-9ba1-08e63db50b47" providerId="ADAL" clId="{2F5160B5-190D-47F4-8B49-2756B7773FD5}" dt="2021-03-16T05:29:16.842" v="1258" actId="14100"/>
+        <pc:chgData name="Zhao Jin" userId="cd05a825-544c-438a-9ba1-08e63db50b47" providerId="ADAL" clId="{2F5160B5-190D-47F4-8B49-2756B7773FD5}" dt="2021-04-05T01:10:12.126" v="4057"/>
         <pc:sldMkLst>
           <pc:docMk/>
           <pc:sldMk cId="1832708629" sldId="646"/>
@@ -5203,7 +5234,7 @@
         </pc:grpChg>
       </pc:sldChg>
       <pc:sldChg chg="addSp delSp modSp add mod delAnim modAnim">
-        <pc:chgData name="Zhao Jin" userId="cd05a825-544c-438a-9ba1-08e63db50b47" providerId="ADAL" clId="{2F5160B5-190D-47F4-8B49-2756B7773FD5}" dt="2021-03-16T05:30:46.856" v="1370" actId="20577"/>
+        <pc:chgData name="Zhao Jin" userId="cd05a825-544c-438a-9ba1-08e63db50b47" providerId="ADAL" clId="{2F5160B5-190D-47F4-8B49-2756B7773FD5}" dt="2021-04-05T01:10:22.734" v="4058"/>
         <pc:sldMkLst>
           <pc:docMk/>
           <pc:sldMk cId="2677643591" sldId="647"/>
@@ -5282,7 +5313,7 @@
         </pc:spChg>
       </pc:sldChg>
       <pc:sldChg chg="addSp delSp modSp add mod modAnim">
-        <pc:chgData name="Zhao Jin" userId="cd05a825-544c-438a-9ba1-08e63db50b47" providerId="ADAL" clId="{2F5160B5-190D-47F4-8B49-2756B7773FD5}" dt="2021-03-16T05:53:09.344" v="2549" actId="14100"/>
+        <pc:chgData name="Zhao Jin" userId="cd05a825-544c-438a-9ba1-08e63db50b47" providerId="ADAL" clId="{2F5160B5-190D-47F4-8B49-2756B7773FD5}" dt="2021-04-05T01:10:37.685" v="4062"/>
         <pc:sldMkLst>
           <pc:docMk/>
           <pc:sldMk cId="2524073575" sldId="648"/>
@@ -5367,12 +5398,28 @@
           <pc:sldMk cId="3329798881" sldId="648"/>
         </pc:sldMkLst>
       </pc:sldChg>
-      <pc:sldChg chg="addSp delSp modSp add mod addAnim delAnim">
-        <pc:chgData name="Zhao Jin" userId="cd05a825-544c-438a-9ba1-08e63db50b47" providerId="ADAL" clId="{2F5160B5-190D-47F4-8B49-2756B7773FD5}" dt="2021-03-16T05:57:57.657" v="2835" actId="207"/>
+      <pc:sldChg chg="addSp delSp modSp add mod addAnim delAnim modAnim">
+        <pc:chgData name="Zhao Jin" userId="cd05a825-544c-438a-9ba1-08e63db50b47" providerId="ADAL" clId="{2F5160B5-190D-47F4-8B49-2756B7773FD5}" dt="2021-04-05T01:11:30.302" v="4067" actId="11529"/>
         <pc:sldMkLst>
           <pc:docMk/>
           <pc:sldMk cId="846190340" sldId="649"/>
         </pc:sldMkLst>
+        <pc:spChg chg="add del">
+          <ac:chgData name="Zhao Jin" userId="cd05a825-544c-438a-9ba1-08e63db50b47" providerId="ADAL" clId="{2F5160B5-190D-47F4-8B49-2756B7773FD5}" dt="2021-04-05T01:11:04.329" v="4065" actId="11529"/>
+          <ac:spMkLst>
+            <pc:docMk/>
+            <pc:sldMk cId="846190340" sldId="649"/>
+            <ac:spMk id="2" creationId="{A93E8573-D268-4956-B859-FC57EFE1DCFA}"/>
+          </ac:spMkLst>
+        </pc:spChg>
+        <pc:spChg chg="add del">
+          <ac:chgData name="Zhao Jin" userId="cd05a825-544c-438a-9ba1-08e63db50b47" providerId="ADAL" clId="{2F5160B5-190D-47F4-8B49-2756B7773FD5}" dt="2021-04-05T01:11:30.302" v="4067" actId="11529"/>
+          <ac:spMkLst>
+            <pc:docMk/>
+            <pc:sldMk cId="846190340" sldId="649"/>
+            <ac:spMk id="3" creationId="{98E4005E-1937-4B65-AE52-822C0E71A9B6}"/>
+          </ac:spMkLst>
+        </pc:spChg>
         <pc:spChg chg="mod">
           <ac:chgData name="Zhao Jin" userId="cd05a825-544c-438a-9ba1-08e63db50b47" providerId="ADAL" clId="{2F5160B5-190D-47F4-8B49-2756B7773FD5}" dt="2021-03-16T05:57:32.884" v="2832" actId="14100"/>
           <ac:spMkLst>
@@ -5446,7 +5493,7 @@
         </pc:sldMkLst>
       </pc:sldChg>
       <pc:sldChg chg="addSp delSp modSp add mod delAnim modAnim">
-        <pc:chgData name="Zhao Jin" userId="cd05a825-544c-438a-9ba1-08e63db50b47" providerId="ADAL" clId="{2F5160B5-190D-47F4-8B49-2756B7773FD5}" dt="2021-03-16T06:19:29.980" v="3725" actId="6549"/>
+        <pc:chgData name="Zhao Jin" userId="cd05a825-544c-438a-9ba1-08e63db50b47" providerId="ADAL" clId="{2F5160B5-190D-47F4-8B49-2756B7773FD5}" dt="2021-04-05T01:11:39.063" v="4068"/>
         <pc:sldMkLst>
           <pc:docMk/>
           <pc:sldMk cId="997017972" sldId="650"/>
@@ -5532,7 +5579,7 @@
           </ac:spMkLst>
         </pc:spChg>
         <pc:spChg chg="add mod">
-          <ac:chgData name="Zhao Jin" userId="cd05a825-544c-438a-9ba1-08e63db50b47" providerId="ADAL" clId="{2F5160B5-190D-47F4-8B49-2756B7773FD5}" dt="2021-03-16T06:19:29.980" v="3725" actId="6549"/>
+          <ac:chgData name="Zhao Jin" userId="cd05a825-544c-438a-9ba1-08e63db50b47" providerId="ADAL" clId="{2F5160B5-190D-47F4-8B49-2756B7773FD5}" dt="2021-04-05T00:50:39.888" v="3728" actId="14100"/>
           <ac:spMkLst>
             <pc:docMk/>
             <pc:sldMk cId="997017972" sldId="650"/>
@@ -10019,7 +10066,7 @@
               <a:pPr>
                 <a:defRPr/>
               </a:pPr>
-              <a:t>3/15/2021</a:t>
+              <a:t>4/5/2021</a:t>
             </a:fld>
             <a:endParaRPr lang="en-US" dirty="0"/>
           </a:p>
@@ -10453,7 +10500,7 @@
     </p:spTree>
     <p:extLst>
       <p:ext uri="{BB962C8B-B14F-4D97-AF65-F5344CB8AC3E}">
-        <p14:creationId xmlns:p14="http://schemas.microsoft.com/office/powerpoint/2010/main" val="299836213"/>
+        <p14:creationId xmlns:p14="http://schemas.microsoft.com/office/powerpoint/2010/main" val="2311071204"/>
       </p:ext>
     </p:extLst>
   </p:cSld>
@@ -10464,123 +10511,6 @@
 </file>
 
 <file path=ppt/notesSlides/notesSlide11.xml><?xml version="1.0" encoding="utf-8"?>
-<p:notes xmlns:a="http://schemas.openxmlformats.org/drawingml/2006/main" xmlns:r="http://schemas.openxmlformats.org/officeDocument/2006/relationships" xmlns:p="http://schemas.openxmlformats.org/presentationml/2006/main">
-  <p:cSld>
-    <p:spTree>
-      <p:nvGrpSpPr>
-        <p:cNvPr id="1" name=""/>
-        <p:cNvGrpSpPr/>
-        <p:nvPr/>
-      </p:nvGrpSpPr>
-      <p:grpSpPr>
-        <a:xfrm>
-          <a:off x="0" y="0"/>
-          <a:ext cx="0" cy="0"/>
-          <a:chOff x="0" y="0"/>
-          <a:chExt cx="0" cy="0"/>
-        </a:xfrm>
-      </p:grpSpPr>
-      <p:sp>
-        <p:nvSpPr>
-          <p:cNvPr id="64514" name="Rectangle 2"/>
-          <p:cNvSpPr>
-            <a:spLocks noGrp="1" noChangeArrowheads="1"/>
-          </p:cNvSpPr>
-          <p:nvPr>
-            <p:ph type="hdr" sz="quarter"/>
-          </p:nvPr>
-        </p:nvSpPr>
-        <p:spPr bwMode="auto">
-          <a:xfrm>
-            <a:off x="0" y="0"/>
-            <a:ext cx="3038786" cy="465341"/>
-          </a:xfrm>
-          <a:noFill/>
-          <a:ln>
-            <a:miter lim="800000"/>
-            <a:headEnd/>
-            <a:tailEnd/>
-          </a:ln>
-        </p:spPr>
-        <p:txBody>
-          <a:bodyPr wrap="square" numCol="1" anchor="t" anchorCtr="0" compatLnSpc="1">
-            <a:prstTxWarp prst="textNoShape">
-              <a:avLst/>
-            </a:prstTxWarp>
-          </a:bodyPr>
-          <a:lstStyle/>
-          <a:p>
-            <a:r>
-              <a:rPr lang="en-US"/>
-              <a:t>CS1010 Programming Methodology</a:t>
-            </a:r>
-          </a:p>
-        </p:txBody>
-      </p:sp>
-      <p:sp>
-        <p:nvSpPr>
-          <p:cNvPr id="64515" name="Rectangle 2"/>
-          <p:cNvSpPr>
-            <a:spLocks noGrp="1" noRot="1" noChangeAspect="1" noChangeArrowheads="1" noTextEdit="1"/>
-          </p:cNvSpPr>
-          <p:nvPr>
-            <p:ph type="sldImg"/>
-          </p:nvPr>
-        </p:nvSpPr>
-        <p:spPr bwMode="auto">
-          <a:xfrm>
-            <a:off x="1182688" y="696913"/>
-            <a:ext cx="4648200" cy="3486150"/>
-          </a:xfrm>
-          <a:noFill/>
-          <a:ln>
-            <a:solidFill>
-              <a:srgbClr val="000000"/>
-            </a:solidFill>
-            <a:miter lim="800000"/>
-            <a:headEnd/>
-            <a:tailEnd/>
-          </a:ln>
-        </p:spPr>
-      </p:sp>
-      <p:sp>
-        <p:nvSpPr>
-          <p:cNvPr id="64516" name="Rectangle 3"/>
-          <p:cNvSpPr>
-            <a:spLocks noGrp="1" noChangeArrowheads="1"/>
-          </p:cNvSpPr>
-          <p:nvPr>
-            <p:ph type="body" idx="1"/>
-          </p:nvPr>
-        </p:nvSpPr>
-        <p:spPr>
-          <a:ln w="9525"/>
-        </p:spPr>
-        <p:txBody>
-          <a:bodyPr/>
-          <a:lstStyle/>
-          <a:p>
-            <a:pPr eaLnBrk="1" hangingPunct="1">
-              <a:defRPr/>
-            </a:pPr>
-            <a:endParaRPr lang="en-US" dirty="0"/>
-          </a:p>
-        </p:txBody>
-      </p:sp>
-    </p:spTree>
-    <p:extLst>
-      <p:ext uri="{BB962C8B-B14F-4D97-AF65-F5344CB8AC3E}">
-        <p14:creationId xmlns:p14="http://schemas.microsoft.com/office/powerpoint/2010/main" val="2311071204"/>
-      </p:ext>
-    </p:extLst>
-  </p:cSld>
-  <p:clrMapOvr>
-    <a:masterClrMapping/>
-  </p:clrMapOvr>
-</p:notes>
-</file>
-
-<file path=ppt/notesSlides/notesSlide12.xml><?xml version="1.0" encoding="utf-8"?>
 <p:notes xmlns:a="http://schemas.openxmlformats.org/drawingml/2006/main" xmlns:r="http://schemas.openxmlformats.org/officeDocument/2006/relationships" xmlns:p="http://schemas.openxmlformats.org/presentationml/2006/main">
   <p:cSld>
     <p:spTree>
@@ -11155,7 +11085,7 @@
     </p:spTree>
     <p:extLst>
       <p:ext uri="{BB962C8B-B14F-4D97-AF65-F5344CB8AC3E}">
-        <p14:creationId xmlns:p14="http://schemas.microsoft.com/office/powerpoint/2010/main" val="3942348735"/>
+        <p14:creationId xmlns:p14="http://schemas.microsoft.com/office/powerpoint/2010/main" val="3764246788"/>
       </p:ext>
     </p:extLst>
   </p:cSld>
@@ -11272,7 +11202,7 @@
     </p:spTree>
     <p:extLst>
       <p:ext uri="{BB962C8B-B14F-4D97-AF65-F5344CB8AC3E}">
-        <p14:creationId xmlns:p14="http://schemas.microsoft.com/office/powerpoint/2010/main" val="3764246788"/>
+        <p14:creationId xmlns:p14="http://schemas.microsoft.com/office/powerpoint/2010/main" val="2693831531"/>
       </p:ext>
     </p:extLst>
   </p:cSld>
@@ -11389,7 +11319,7 @@
     </p:spTree>
     <p:extLst>
       <p:ext uri="{BB962C8B-B14F-4D97-AF65-F5344CB8AC3E}">
-        <p14:creationId xmlns:p14="http://schemas.microsoft.com/office/powerpoint/2010/main" val="2693831531"/>
+        <p14:creationId xmlns:p14="http://schemas.microsoft.com/office/powerpoint/2010/main" val="983686953"/>
       </p:ext>
     </p:extLst>
   </p:cSld>
@@ -11506,7 +11436,7 @@
     </p:spTree>
     <p:extLst>
       <p:ext uri="{BB962C8B-B14F-4D97-AF65-F5344CB8AC3E}">
-        <p14:creationId xmlns:p14="http://schemas.microsoft.com/office/powerpoint/2010/main" val="983686953"/>
+        <p14:creationId xmlns:p14="http://schemas.microsoft.com/office/powerpoint/2010/main" val="1575308000"/>
       </p:ext>
     </p:extLst>
   </p:cSld>
@@ -11623,7 +11553,7 @@
     </p:spTree>
     <p:extLst>
       <p:ext uri="{BB962C8B-B14F-4D97-AF65-F5344CB8AC3E}">
-        <p14:creationId xmlns:p14="http://schemas.microsoft.com/office/powerpoint/2010/main" val="1575308000"/>
+        <p14:creationId xmlns:p14="http://schemas.microsoft.com/office/powerpoint/2010/main" val="299836213"/>
       </p:ext>
     </p:extLst>
   </p:cSld>
@@ -15382,7 +15312,7 @@
                   <a:srgbClr val="0000FF"/>
                 </a:solidFill>
               </a:rPr>
-              <a:t>Structures as Parameters</a:t>
+              <a:t>Returning a Structure</a:t>
             </a:r>
           </a:p>
         </p:txBody>
@@ -15429,1129 +15359,6 @@
                 <a:defRPr/>
               </a:pPr>
               <a:t>10</a:t>
-            </a:fld>
-            <a:endParaRPr sz="1200" dirty="0"/>
-          </a:p>
-        </p:txBody>
-      </p:sp>
-      <p:sp>
-        <p:nvSpPr>
-          <p:cNvPr id="12" name="[Date Placeholder 3]"/>
-          <p:cNvSpPr>
-            <a:spLocks noGrp="1"/>
-          </p:cNvSpPr>
-          <p:nvPr>
-            <p:ph type="dt" sz="half" idx="10"/>
-          </p:nvPr>
-        </p:nvSpPr>
-        <p:spPr>
-          <a:xfrm>
-            <a:off x="457200" y="18288"/>
-            <a:ext cx="2895600" cy="329184"/>
-          </a:xfrm>
-        </p:spPr>
-        <p:txBody>
-          <a:bodyPr/>
-          <a:lstStyle/>
-          <a:p>
-            <a:pPr>
-              <a:defRPr/>
-            </a:pPr>
-            <a:r>
-              <a:rPr lang="en-US" dirty="0"/>
-              <a:t>© NUS</a:t>
-            </a:r>
-          </a:p>
-        </p:txBody>
-      </p:sp>
-      <p:sp>
-        <p:nvSpPr>
-          <p:cNvPr id="11" name="Rectangle 8"/>
-          <p:cNvSpPr>
-            <a:spLocks noChangeArrowheads="1"/>
-          </p:cNvSpPr>
-          <p:nvPr/>
-        </p:nvSpPr>
-        <p:spPr bwMode="auto">
-          <a:xfrm>
-            <a:off x="733425" y="1460501"/>
-            <a:ext cx="8181975" cy="1040606"/>
-          </a:xfrm>
-          <a:prstGeom prst="rect">
-            <a:avLst/>
-          </a:prstGeom>
-          <a:noFill/>
-          <a:ln w="9525">
-            <a:noFill/>
-            <a:miter lim="800000"/>
-            <a:headEnd/>
-            <a:tailEnd/>
-          </a:ln>
-        </p:spPr>
-        <p:txBody>
-          <a:bodyPr/>
-          <a:lstStyle/>
-          <a:p>
-            <a:pPr marL="342900" indent="-342900">
-              <a:spcBef>
-                <a:spcPts val="600"/>
-              </a:spcBef>
-              <a:buClr>
-                <a:schemeClr val="tx1">
-                  <a:lumMod val="90000"/>
-                  <a:lumOff val="10000"/>
-                </a:schemeClr>
-              </a:buClr>
-              <a:buSzPct val="100000"/>
-              <a:buFont typeface="Wingdings" panose="05000000000000000000" pitchFamily="2" charset="2"/>
-              <a:buChar char="§"/>
-            </a:pPr>
-            <a:r>
-              <a:rPr lang="en-US" sz="2400" dirty="0"/>
-              <a:t>Call by value</a:t>
-            </a:r>
-          </a:p>
-          <a:p>
-            <a:pPr marL="800100" lvl="1" indent="-342900">
-              <a:spcBef>
-                <a:spcPts val="600"/>
-              </a:spcBef>
-              <a:buClr>
-                <a:schemeClr val="tx1">
-                  <a:lumMod val="90000"/>
-                  <a:lumOff val="10000"/>
-                </a:schemeClr>
-              </a:buClr>
-              <a:buSzPct val="100000"/>
-              <a:buFont typeface="Wingdings" panose="05000000000000000000" pitchFamily="2" charset="2"/>
-              <a:buChar char="§"/>
-            </a:pPr>
-            <a:endParaRPr lang="en-US" sz="2400" dirty="0"/>
-          </a:p>
-          <a:p>
-            <a:pPr marL="800100" lvl="1" indent="-342900">
-              <a:spcBef>
-                <a:spcPts val="600"/>
-              </a:spcBef>
-              <a:buClr>
-                <a:schemeClr val="tx1">
-                  <a:lumMod val="90000"/>
-                  <a:lumOff val="10000"/>
-                </a:schemeClr>
-              </a:buClr>
-              <a:buSzPct val="100000"/>
-              <a:buFont typeface="Wingdings" panose="05000000000000000000" pitchFamily="2" charset="2"/>
-              <a:buChar char="§"/>
-            </a:pPr>
-            <a:endParaRPr lang="en-US" sz="2400" dirty="0"/>
-          </a:p>
-          <a:p>
-            <a:pPr marL="800100" lvl="1" indent="-342900">
-              <a:spcBef>
-                <a:spcPts val="600"/>
-              </a:spcBef>
-              <a:buClr>
-                <a:schemeClr val="tx1">
-                  <a:lumMod val="90000"/>
-                  <a:lumOff val="10000"/>
-                </a:schemeClr>
-              </a:buClr>
-              <a:buSzPct val="100000"/>
-              <a:buFont typeface="Wingdings" panose="05000000000000000000" pitchFamily="2" charset="2"/>
-              <a:buChar char="§"/>
-            </a:pPr>
-            <a:endParaRPr lang="en-US" sz="2400" dirty="0"/>
-          </a:p>
-          <a:p>
-            <a:pPr marL="800100" lvl="1" indent="-342900">
-              <a:spcBef>
-                <a:spcPts val="600"/>
-              </a:spcBef>
-              <a:buClr>
-                <a:schemeClr val="tx1">
-                  <a:lumMod val="90000"/>
-                  <a:lumOff val="10000"/>
-                </a:schemeClr>
-              </a:buClr>
-              <a:buSzPct val="100000"/>
-              <a:buFont typeface="Wingdings" panose="05000000000000000000" pitchFamily="2" charset="2"/>
-              <a:buChar char="§"/>
-            </a:pPr>
-            <a:endParaRPr lang="en-US" sz="1600" dirty="0"/>
-          </a:p>
-          <a:p>
-            <a:pPr marL="342900" indent="-342900">
-              <a:spcBef>
-                <a:spcPts val="600"/>
-              </a:spcBef>
-              <a:buClr>
-                <a:schemeClr val="tx1">
-                  <a:lumMod val="90000"/>
-                  <a:lumOff val="10000"/>
-                </a:schemeClr>
-              </a:buClr>
-              <a:buSzPct val="100000"/>
-              <a:buFont typeface="Wingdings" panose="05000000000000000000" pitchFamily="2" charset="2"/>
-              <a:buChar char="§"/>
-            </a:pPr>
-            <a:r>
-              <a:rPr lang="en-US" sz="2400" dirty="0"/>
-              <a:t>Call by reference (recommended)</a:t>
-            </a:r>
-          </a:p>
-        </p:txBody>
-      </p:sp>
-      <p:sp>
-        <p:nvSpPr>
-          <p:cNvPr id="15" name="Rectangle 8">
-            <a:extLst>
-              <a:ext uri="{FF2B5EF4-FFF2-40B4-BE49-F238E27FC236}">
-                <a16:creationId xmlns:a16="http://schemas.microsoft.com/office/drawing/2014/main" id="{80A3AA33-A8FF-47C2-A2D5-57D6B362A5A5}"/>
-              </a:ext>
-            </a:extLst>
-          </p:cNvPr>
-          <p:cNvSpPr>
-            <a:spLocks noChangeArrowheads="1"/>
-          </p:cNvSpPr>
-          <p:nvPr/>
-        </p:nvSpPr>
-        <p:spPr bwMode="auto">
-          <a:xfrm>
-            <a:off x="1156424" y="1928252"/>
-            <a:ext cx="6826596" cy="1180066"/>
-          </a:xfrm>
-          <a:prstGeom prst="rect">
-            <a:avLst/>
-          </a:prstGeom>
-          <a:solidFill>
-            <a:schemeClr val="bg1"/>
-          </a:solidFill>
-          <a:ln w="25400" algn="ctr">
-            <a:solidFill>
-              <a:srgbClr val="8A8AB9"/>
-            </a:solidFill>
-            <a:miter lim="800000"/>
-            <a:headEnd/>
-            <a:tailEnd/>
-          </a:ln>
-          <a:effectLst>
-            <a:outerShdw dist="38100" dir="2700000" algn="tl" rotWithShape="0">
-              <a:srgbClr val="808080">
-                <a:alpha val="39998"/>
-              </a:srgbClr>
-            </a:outerShdw>
-          </a:effectLst>
-        </p:spPr>
-        <p:txBody>
-          <a:bodyPr/>
-          <a:lstStyle/>
-          <a:p>
-            <a:pPr marL="342900" indent="-342900">
-              <a:defRPr/>
-            </a:pPr>
-            <a:r>
-              <a:rPr lang="en-US" b="1" dirty="0">
-                <a:solidFill>
-                  <a:srgbClr val="0000FF"/>
-                </a:solidFill>
-                <a:latin typeface="Courier New" pitchFamily="49" charset="0"/>
-              </a:rPr>
-              <a:t>void</a:t>
-            </a:r>
-            <a:r>
-              <a:rPr lang="en-US" b="1" dirty="0">
-                <a:latin typeface="Courier New" pitchFamily="49" charset="0"/>
-              </a:rPr>
-              <a:t> </a:t>
-            </a:r>
-            <a:r>
-              <a:rPr lang="en-US" b="1" dirty="0" err="1">
-                <a:latin typeface="Courier New" pitchFamily="49" charset="0"/>
-              </a:rPr>
-              <a:t>update_mc</a:t>
-            </a:r>
-            <a:r>
-              <a:rPr lang="en-US" b="1" dirty="0">
-                <a:latin typeface="Courier New" pitchFamily="49" charset="0"/>
-              </a:rPr>
-              <a:t>(</a:t>
-            </a:r>
-            <a:r>
-              <a:rPr lang="en-US" b="1" dirty="0">
-                <a:solidFill>
-                  <a:srgbClr val="0000FF"/>
-                </a:solidFill>
-                <a:latin typeface="Courier New" pitchFamily="49" charset="0"/>
-              </a:rPr>
-              <a:t>struct</a:t>
-            </a:r>
-            <a:r>
-              <a:rPr lang="en-US" b="1" dirty="0">
-                <a:latin typeface="Courier New" pitchFamily="49" charset="0"/>
-              </a:rPr>
-              <a:t> </a:t>
-            </a:r>
-            <a:r>
-              <a:rPr lang="en-US" b="1" dirty="0">
-                <a:solidFill>
-                  <a:srgbClr val="7030A0"/>
-                </a:solidFill>
-                <a:latin typeface="Courier New" pitchFamily="49" charset="0"/>
-              </a:rPr>
-              <a:t>module</a:t>
-            </a:r>
-            <a:r>
-              <a:rPr lang="en-US" b="1" dirty="0">
-                <a:latin typeface="Courier New" pitchFamily="49" charset="0"/>
-              </a:rPr>
-              <a:t> cs1010, </a:t>
-            </a:r>
-            <a:br>
-              <a:rPr lang="en-US" b="1" dirty="0">
-                <a:latin typeface="Courier New" pitchFamily="49" charset="0"/>
-              </a:rPr>
-            </a:br>
-            <a:r>
-              <a:rPr lang="en-US" b="1" dirty="0">
-                <a:latin typeface="Courier New" pitchFamily="49" charset="0"/>
-              </a:rPr>
-              <a:t>             </a:t>
-            </a:r>
-            <a:r>
-              <a:rPr lang="en-US" b="1" dirty="0">
-                <a:solidFill>
-                  <a:srgbClr val="0000FF"/>
-                </a:solidFill>
-                <a:latin typeface="Courier New" pitchFamily="49" charset="0"/>
-              </a:rPr>
-              <a:t>long</a:t>
-            </a:r>
-            <a:r>
-              <a:rPr lang="en-US" b="1" dirty="0">
-                <a:latin typeface="Courier New" pitchFamily="49" charset="0"/>
-              </a:rPr>
-              <a:t> </a:t>
-            </a:r>
-            <a:r>
-              <a:rPr lang="en-US" b="1" dirty="0" err="1">
-                <a:latin typeface="Courier New" pitchFamily="49" charset="0"/>
-              </a:rPr>
-              <a:t>hours_spent_per_week</a:t>
-            </a:r>
-            <a:r>
-              <a:rPr lang="en-US" b="1" dirty="0">
-                <a:latin typeface="Courier New" pitchFamily="49" charset="0"/>
-              </a:rPr>
-              <a:t>) {</a:t>
-            </a:r>
-          </a:p>
-          <a:p>
-            <a:pPr marL="342900" indent="-342900">
-              <a:defRPr/>
-            </a:pPr>
-            <a:r>
-              <a:rPr lang="en-US" b="1" dirty="0">
-                <a:latin typeface="Courier New" pitchFamily="49" charset="0"/>
-              </a:rPr>
-              <a:t>  cs1010.mc = </a:t>
-            </a:r>
-            <a:r>
-              <a:rPr lang="en-US" b="1" dirty="0" err="1">
-                <a:latin typeface="Courier New" pitchFamily="49" charset="0"/>
-              </a:rPr>
-              <a:t>hours_spent_per_week</a:t>
-            </a:r>
-            <a:r>
-              <a:rPr lang="en-US" b="1" dirty="0">
-                <a:latin typeface="Courier New" pitchFamily="49" charset="0"/>
-              </a:rPr>
-              <a:t>/</a:t>
-            </a:r>
-            <a:r>
-              <a:rPr lang="en-US" b="1" dirty="0">
-                <a:solidFill>
-                  <a:srgbClr val="C00000"/>
-                </a:solidFill>
-                <a:latin typeface="Courier New" pitchFamily="49" charset="0"/>
-              </a:rPr>
-              <a:t>2.5</a:t>
-            </a:r>
-            <a:r>
-              <a:rPr lang="en-US" b="1" dirty="0">
-                <a:latin typeface="Courier New" pitchFamily="49" charset="0"/>
-              </a:rPr>
-              <a:t>;</a:t>
-            </a:r>
-          </a:p>
-          <a:p>
-            <a:pPr marL="342900" indent="-342900">
-              <a:defRPr/>
-            </a:pPr>
-            <a:r>
-              <a:rPr lang="en-US" b="1" dirty="0">
-                <a:latin typeface="Courier New" pitchFamily="49" charset="0"/>
-              </a:rPr>
-              <a:t>}</a:t>
-            </a:r>
-          </a:p>
-        </p:txBody>
-      </p:sp>
-      <p:sp>
-        <p:nvSpPr>
-          <p:cNvPr id="16" name="Rectangle 8">
-            <a:extLst>
-              <a:ext uri="{FF2B5EF4-FFF2-40B4-BE49-F238E27FC236}">
-                <a16:creationId xmlns:a16="http://schemas.microsoft.com/office/drawing/2014/main" id="{4FF30617-62A0-4BFB-A7F3-B83FE940F792}"/>
-              </a:ext>
-            </a:extLst>
-          </p:cNvPr>
-          <p:cNvSpPr>
-            <a:spLocks noChangeArrowheads="1"/>
-          </p:cNvSpPr>
-          <p:nvPr/>
-        </p:nvSpPr>
-        <p:spPr bwMode="auto">
-          <a:xfrm>
-            <a:off x="1156424" y="4109536"/>
-            <a:ext cx="7635689" cy="1180066"/>
-          </a:xfrm>
-          <a:prstGeom prst="rect">
-            <a:avLst/>
-          </a:prstGeom>
-          <a:solidFill>
-            <a:schemeClr val="bg1"/>
-          </a:solidFill>
-          <a:ln w="25400" algn="ctr">
-            <a:solidFill>
-              <a:srgbClr val="8A8AB9"/>
-            </a:solidFill>
-            <a:miter lim="800000"/>
-            <a:headEnd/>
-            <a:tailEnd/>
-          </a:ln>
-          <a:effectLst>
-            <a:outerShdw dist="38100" dir="2700000" algn="tl" rotWithShape="0">
-              <a:srgbClr val="808080">
-                <a:alpha val="39998"/>
-              </a:srgbClr>
-            </a:outerShdw>
-          </a:effectLst>
-        </p:spPr>
-        <p:txBody>
-          <a:bodyPr/>
-          <a:lstStyle/>
-          <a:p>
-            <a:pPr marL="342900" indent="-342900">
-              <a:defRPr/>
-            </a:pPr>
-            <a:r>
-              <a:rPr lang="en-US" b="1" dirty="0">
-                <a:solidFill>
-                  <a:srgbClr val="0000FF"/>
-                </a:solidFill>
-                <a:latin typeface="Courier New" pitchFamily="49" charset="0"/>
-              </a:rPr>
-              <a:t>void</a:t>
-            </a:r>
-            <a:r>
-              <a:rPr lang="en-US" b="1" dirty="0">
-                <a:latin typeface="Courier New" pitchFamily="49" charset="0"/>
-              </a:rPr>
-              <a:t> </a:t>
-            </a:r>
-            <a:r>
-              <a:rPr lang="en-US" b="1" dirty="0" err="1">
-                <a:latin typeface="Courier New" pitchFamily="49" charset="0"/>
-              </a:rPr>
-              <a:t>update_mc</a:t>
-            </a:r>
-            <a:r>
-              <a:rPr lang="en-US" b="1" dirty="0">
-                <a:latin typeface="Courier New" pitchFamily="49" charset="0"/>
-              </a:rPr>
-              <a:t>(</a:t>
-            </a:r>
-            <a:r>
-              <a:rPr lang="en-US" b="1" dirty="0">
-                <a:solidFill>
-                  <a:srgbClr val="0000FF"/>
-                </a:solidFill>
-                <a:latin typeface="Courier New" pitchFamily="49" charset="0"/>
-              </a:rPr>
-              <a:t>struct</a:t>
-            </a:r>
-            <a:r>
-              <a:rPr lang="en-US" b="1" dirty="0">
-                <a:latin typeface="Courier New" pitchFamily="49" charset="0"/>
-              </a:rPr>
-              <a:t> </a:t>
-            </a:r>
-            <a:r>
-              <a:rPr lang="en-US" b="1" dirty="0">
-                <a:solidFill>
-                  <a:srgbClr val="7030A0"/>
-                </a:solidFill>
-                <a:latin typeface="Courier New" pitchFamily="49" charset="0"/>
-              </a:rPr>
-              <a:t>module</a:t>
-            </a:r>
-            <a:r>
-              <a:rPr lang="en-US" b="1" dirty="0">
-                <a:latin typeface="Courier New" pitchFamily="49" charset="0"/>
-              </a:rPr>
-              <a:t> *cs1010, </a:t>
-            </a:r>
-            <a:br>
-              <a:rPr lang="en-US" b="1" dirty="0">
-                <a:latin typeface="Courier New" pitchFamily="49" charset="0"/>
-              </a:rPr>
-            </a:br>
-            <a:r>
-              <a:rPr lang="en-US" b="1" dirty="0">
-                <a:latin typeface="Courier New" pitchFamily="49" charset="0"/>
-              </a:rPr>
-              <a:t>             </a:t>
-            </a:r>
-            <a:r>
-              <a:rPr lang="en-US" b="1" dirty="0">
-                <a:solidFill>
-                  <a:srgbClr val="0000FF"/>
-                </a:solidFill>
-                <a:latin typeface="Courier New" pitchFamily="49" charset="0"/>
-              </a:rPr>
-              <a:t>long</a:t>
-            </a:r>
-            <a:r>
-              <a:rPr lang="en-US" b="1" dirty="0">
-                <a:latin typeface="Courier New" pitchFamily="49" charset="0"/>
-              </a:rPr>
-              <a:t> </a:t>
-            </a:r>
-            <a:r>
-              <a:rPr lang="en-US" b="1" dirty="0" err="1">
-                <a:latin typeface="Courier New" pitchFamily="49" charset="0"/>
-              </a:rPr>
-              <a:t>hours_spent_per_week</a:t>
-            </a:r>
-            <a:r>
-              <a:rPr lang="en-US" b="1" dirty="0">
-                <a:latin typeface="Courier New" pitchFamily="49" charset="0"/>
-              </a:rPr>
-              <a:t>) {</a:t>
-            </a:r>
-          </a:p>
-          <a:p>
-            <a:pPr marL="342900" indent="-342900">
-              <a:defRPr/>
-            </a:pPr>
-            <a:r>
-              <a:rPr lang="en-US" b="1" dirty="0">
-                <a:latin typeface="Courier New" pitchFamily="49" charset="0"/>
-              </a:rPr>
-              <a:t>  (*cs1010).mc = </a:t>
-            </a:r>
-            <a:r>
-              <a:rPr lang="en-US" b="1" dirty="0" err="1">
-                <a:latin typeface="Courier New" pitchFamily="49" charset="0"/>
-              </a:rPr>
-              <a:t>hours_spent_per_week</a:t>
-            </a:r>
-            <a:r>
-              <a:rPr lang="en-US" b="1" dirty="0">
-                <a:latin typeface="Courier New" pitchFamily="49" charset="0"/>
-              </a:rPr>
-              <a:t>/</a:t>
-            </a:r>
-            <a:r>
-              <a:rPr lang="en-US" b="1" dirty="0">
-                <a:solidFill>
-                  <a:srgbClr val="C00000"/>
-                </a:solidFill>
-                <a:latin typeface="Courier New" pitchFamily="49" charset="0"/>
-              </a:rPr>
-              <a:t>2.5</a:t>
-            </a:r>
-            <a:r>
-              <a:rPr lang="en-US" b="1" dirty="0">
-                <a:latin typeface="Courier New" pitchFamily="49" charset="0"/>
-              </a:rPr>
-              <a:t>;</a:t>
-            </a:r>
-          </a:p>
-          <a:p>
-            <a:pPr marL="342900" indent="-342900">
-              <a:defRPr/>
-            </a:pPr>
-            <a:r>
-              <a:rPr lang="en-US" b="1" dirty="0">
-                <a:latin typeface="Courier New" pitchFamily="49" charset="0"/>
-              </a:rPr>
-              <a:t>}</a:t>
-            </a:r>
-          </a:p>
-        </p:txBody>
-      </p:sp>
-      <p:sp>
-        <p:nvSpPr>
-          <p:cNvPr id="9" name="TextBox 8">
-            <a:extLst>
-              <a:ext uri="{FF2B5EF4-FFF2-40B4-BE49-F238E27FC236}">
-                <a16:creationId xmlns:a16="http://schemas.microsoft.com/office/drawing/2014/main" id="{35D0FDFD-09D3-4172-91D8-194B55C9EC66}"/>
-              </a:ext>
-            </a:extLst>
-          </p:cNvPr>
-          <p:cNvSpPr txBox="1"/>
-          <p:nvPr/>
-        </p:nvSpPr>
-        <p:spPr bwMode="auto">
-          <a:xfrm>
-            <a:off x="5435029" y="5031859"/>
-            <a:ext cx="3251771" cy="646331"/>
-          </a:xfrm>
-          <a:prstGeom prst="rect">
-            <a:avLst/>
-          </a:prstGeom>
-          <a:solidFill>
-            <a:srgbClr val="FFFF99"/>
-          </a:solidFill>
-          <a:ln>
-            <a:solidFill>
-              <a:schemeClr val="tx1"/>
-            </a:solidFill>
-          </a:ln>
-        </p:spPr>
-        <p:txBody>
-          <a:bodyPr wrap="square">
-            <a:spAutoFit/>
-          </a:bodyPr>
-          <a:lstStyle/>
-          <a:p>
-            <a:pPr>
-              <a:defRPr/>
-            </a:pPr>
-            <a:r>
-              <a:rPr lang="en-SG" dirty="0">
-                <a:latin typeface="Arial" charset="0"/>
-                <a:cs typeface="Arial" charset="0"/>
-              </a:rPr>
-              <a:t>More efficient and allow changes to be visible </a:t>
-            </a:r>
-            <a:r>
-              <a:rPr lang="en-SG" dirty="0"/>
-              <a:t>outside.</a:t>
-            </a:r>
-            <a:r>
-              <a:rPr lang="en-SG" dirty="0">
-                <a:latin typeface="Arial" charset="0"/>
-                <a:cs typeface="Arial" charset="0"/>
-              </a:rPr>
-              <a:t> </a:t>
-            </a:r>
-          </a:p>
-        </p:txBody>
-      </p:sp>
-      <p:sp>
-        <p:nvSpPr>
-          <p:cNvPr id="10" name="TextBox 9">
-            <a:extLst>
-              <a:ext uri="{FF2B5EF4-FFF2-40B4-BE49-F238E27FC236}">
-                <a16:creationId xmlns:a16="http://schemas.microsoft.com/office/drawing/2014/main" id="{D38B88D5-D535-4201-A58F-8DB99AEE47E8}"/>
-              </a:ext>
-            </a:extLst>
-          </p:cNvPr>
-          <p:cNvSpPr txBox="1"/>
-          <p:nvPr/>
-        </p:nvSpPr>
-        <p:spPr bwMode="auto">
-          <a:xfrm>
-            <a:off x="4315147" y="2853174"/>
-            <a:ext cx="4371654" cy="646331"/>
-          </a:xfrm>
-          <a:prstGeom prst="rect">
-            <a:avLst/>
-          </a:prstGeom>
-          <a:solidFill>
-            <a:srgbClr val="FFFF99"/>
-          </a:solidFill>
-          <a:ln>
-            <a:solidFill>
-              <a:schemeClr val="tx1"/>
-            </a:solidFill>
-          </a:ln>
-        </p:spPr>
-        <p:txBody>
-          <a:bodyPr wrap="square">
-            <a:spAutoFit/>
-          </a:bodyPr>
-          <a:lstStyle/>
-          <a:p>
-            <a:pPr>
-              <a:defRPr/>
-            </a:pPr>
-            <a:r>
-              <a:rPr lang="en-SG" dirty="0">
-                <a:latin typeface="Arial" charset="0"/>
-                <a:cs typeface="Arial" charset="0"/>
-              </a:rPr>
-              <a:t>Values copied component by component and changes not visible </a:t>
-            </a:r>
-            <a:r>
-              <a:rPr lang="en-SG" dirty="0"/>
-              <a:t>outside.</a:t>
-            </a:r>
-            <a:r>
-              <a:rPr lang="en-SG" dirty="0">
-                <a:latin typeface="Arial" charset="0"/>
-                <a:cs typeface="Arial" charset="0"/>
-              </a:rPr>
-              <a:t> </a:t>
-            </a:r>
-          </a:p>
-        </p:txBody>
-      </p:sp>
-      <p:sp>
-        <p:nvSpPr>
-          <p:cNvPr id="13" name="Rectangle 8">
-            <a:extLst>
-              <a:ext uri="{FF2B5EF4-FFF2-40B4-BE49-F238E27FC236}">
-                <a16:creationId xmlns:a16="http://schemas.microsoft.com/office/drawing/2014/main" id="{7C1E4480-EEB2-4874-9F94-6B5904CCE773}"/>
-              </a:ext>
-            </a:extLst>
-          </p:cNvPr>
-          <p:cNvSpPr>
-            <a:spLocks noChangeArrowheads="1"/>
-          </p:cNvSpPr>
-          <p:nvPr/>
-        </p:nvSpPr>
-        <p:spPr bwMode="auto">
-          <a:xfrm>
-            <a:off x="1057940" y="5814111"/>
-            <a:ext cx="5416340" cy="403507"/>
-          </a:xfrm>
-          <a:prstGeom prst="rect">
-            <a:avLst/>
-          </a:prstGeom>
-          <a:solidFill>
-            <a:schemeClr val="bg1"/>
-          </a:solidFill>
-          <a:ln w="25400" algn="ctr">
-            <a:solidFill>
-              <a:srgbClr val="8A8AB9"/>
-            </a:solidFill>
-            <a:miter lim="800000"/>
-            <a:headEnd/>
-            <a:tailEnd/>
-          </a:ln>
-          <a:effectLst>
-            <a:outerShdw dist="38100" dir="2700000" algn="tl" rotWithShape="0">
-              <a:srgbClr val="808080">
-                <a:alpha val="39998"/>
-              </a:srgbClr>
-            </a:outerShdw>
-          </a:effectLst>
-        </p:spPr>
-        <p:txBody>
-          <a:bodyPr/>
-          <a:lstStyle/>
-          <a:p>
-            <a:pPr marL="342900" indent="-342900">
-              <a:defRPr/>
-            </a:pPr>
-            <a:r>
-              <a:rPr lang="en-US" b="1" dirty="0">
-                <a:latin typeface="Courier New" pitchFamily="49" charset="0"/>
-              </a:rPr>
-              <a:t>cs1010</a:t>
-            </a:r>
-            <a:r>
-              <a:rPr lang="en-US" b="1" dirty="0">
-                <a:solidFill>
-                  <a:srgbClr val="FF0000"/>
-                </a:solidFill>
-                <a:latin typeface="Courier New" pitchFamily="49" charset="0"/>
-              </a:rPr>
-              <a:t>-&gt;</a:t>
-            </a:r>
-            <a:r>
-              <a:rPr lang="en-US" b="1" dirty="0">
-                <a:latin typeface="Courier New" pitchFamily="49" charset="0"/>
-              </a:rPr>
-              <a:t>mc = </a:t>
-            </a:r>
-            <a:r>
-              <a:rPr lang="en-US" b="1" dirty="0" err="1">
-                <a:latin typeface="Courier New" pitchFamily="49" charset="0"/>
-              </a:rPr>
-              <a:t>hours_spent_per_week</a:t>
-            </a:r>
-            <a:r>
-              <a:rPr lang="en-US" b="1" dirty="0">
-                <a:latin typeface="Courier New" pitchFamily="49" charset="0"/>
-              </a:rPr>
-              <a:t>/</a:t>
-            </a:r>
-            <a:r>
-              <a:rPr lang="en-US" b="1" dirty="0">
-                <a:solidFill>
-                  <a:srgbClr val="C00000"/>
-                </a:solidFill>
-                <a:latin typeface="Courier New" pitchFamily="49" charset="0"/>
-              </a:rPr>
-              <a:t>2.5</a:t>
-            </a:r>
-            <a:r>
-              <a:rPr lang="en-US" b="1" dirty="0">
-                <a:latin typeface="Courier New" pitchFamily="49" charset="0"/>
-              </a:rPr>
-              <a:t>;</a:t>
-            </a:r>
-          </a:p>
-          <a:p>
-            <a:pPr marL="342900" indent="-342900">
-              <a:defRPr/>
-            </a:pPr>
-            <a:endParaRPr lang="en-US" sz="2000" b="1" dirty="0">
-              <a:latin typeface="Courier New" pitchFamily="49" charset="0"/>
-            </a:endParaRPr>
-          </a:p>
-        </p:txBody>
-      </p:sp>
-      <p:sp>
-        <p:nvSpPr>
-          <p:cNvPr id="14" name="TextBox 13">
-            <a:extLst>
-              <a:ext uri="{FF2B5EF4-FFF2-40B4-BE49-F238E27FC236}">
-                <a16:creationId xmlns:a16="http://schemas.microsoft.com/office/drawing/2014/main" id="{BB99A7D1-5F5C-4684-93FF-87CAEAA26D2B}"/>
-              </a:ext>
-            </a:extLst>
-          </p:cNvPr>
-          <p:cNvSpPr txBox="1"/>
-          <p:nvPr/>
-        </p:nvSpPr>
-        <p:spPr bwMode="auto">
-          <a:xfrm>
-            <a:off x="1098967" y="6288563"/>
-            <a:ext cx="4336062" cy="369332"/>
-          </a:xfrm>
-          <a:prstGeom prst="rect">
-            <a:avLst/>
-          </a:prstGeom>
-          <a:solidFill>
-            <a:srgbClr val="FFFF99"/>
-          </a:solidFill>
-          <a:ln>
-            <a:solidFill>
-              <a:schemeClr val="tx1"/>
-            </a:solidFill>
-          </a:ln>
-        </p:spPr>
-        <p:txBody>
-          <a:bodyPr wrap="square">
-            <a:spAutoFit/>
-          </a:bodyPr>
-          <a:lstStyle/>
-          <a:p>
-            <a:pPr>
-              <a:defRPr/>
-            </a:pPr>
-            <a:r>
-              <a:rPr lang="en-SG" dirty="0">
-                <a:latin typeface="Arial" charset="0"/>
-                <a:cs typeface="Arial" charset="0"/>
-              </a:rPr>
-              <a:t>Using the arrow operator as a shorthand.</a:t>
-            </a:r>
-          </a:p>
-        </p:txBody>
-      </p:sp>
-    </p:spTree>
-    <p:extLst>
-      <p:ext uri="{BB962C8B-B14F-4D97-AF65-F5344CB8AC3E}">
-        <p14:creationId xmlns:p14="http://schemas.microsoft.com/office/powerpoint/2010/main" val="2524073575"/>
-      </p:ext>
-    </p:extLst>
-  </p:cSld>
-  <p:clrMapOvr>
-    <a:masterClrMapping/>
-  </p:clrMapOvr>
-  <p:transition>
-    <p:fade/>
-  </p:transition>
-  <p:timing>
-    <p:tnLst>
-      <p:par>
-        <p:cTn id="1" dur="indefinite" restart="never" nodeType="tmRoot">
-          <p:childTnLst>
-            <p:seq concurrent="1" nextAc="seek">
-              <p:cTn id="2" dur="indefinite" nodeType="mainSeq">
-                <p:childTnLst>
-                  <p:par>
-                    <p:cTn id="3" fill="hold">
-                      <p:stCondLst>
-                        <p:cond delay="indefinite"/>
-                        <p:cond evt="onBegin" delay="0">
-                          <p:tn val="2"/>
-                        </p:cond>
-                      </p:stCondLst>
-                      <p:childTnLst>
-                        <p:par>
-                          <p:cTn id="4" fill="hold">
-                            <p:stCondLst>
-                              <p:cond delay="0"/>
-                            </p:stCondLst>
-                            <p:childTnLst>
-                              <p:par>
-                                <p:cTn id="5" presetID="9" presetClass="entr" presetSubtype="0" fill="hold" grpId="0" nodeType="afterEffect">
-                                  <p:stCondLst>
-                                    <p:cond delay="0"/>
-                                  </p:stCondLst>
-                                  <p:childTnLst>
-                                    <p:set>
-                                      <p:cBhvr>
-                                        <p:cTn id="6" dur="1" fill="hold">
-                                          <p:stCondLst>
-                                            <p:cond delay="0"/>
-                                          </p:stCondLst>
-                                        </p:cTn>
-                                        <p:tgtEl>
-                                          <p:spTgt spid="15"/>
-                                        </p:tgtEl>
-                                        <p:attrNameLst>
-                                          <p:attrName>style.visibility</p:attrName>
-                                        </p:attrNameLst>
-                                      </p:cBhvr>
-                                      <p:to>
-                                        <p:strVal val="visible"/>
-                                      </p:to>
-                                    </p:set>
-                                    <p:animEffect transition="in" filter="dissolve">
-                                      <p:cBhvr>
-                                        <p:cTn id="7" dur="500"/>
-                                        <p:tgtEl>
-                                          <p:spTgt spid="15"/>
-                                        </p:tgtEl>
-                                      </p:cBhvr>
-                                    </p:animEffect>
-                                  </p:childTnLst>
-                                </p:cTn>
-                              </p:par>
-                            </p:childTnLst>
-                          </p:cTn>
-                        </p:par>
-                        <p:par>
-                          <p:cTn id="8" fill="hold">
-                            <p:stCondLst>
-                              <p:cond delay="500"/>
-                            </p:stCondLst>
-                            <p:childTnLst>
-                              <p:par>
-                                <p:cTn id="9" presetID="9" presetClass="entr" presetSubtype="0" fill="hold" grpId="0" nodeType="afterEffect">
-                                  <p:stCondLst>
-                                    <p:cond delay="0"/>
-                                  </p:stCondLst>
-                                  <p:childTnLst>
-                                    <p:set>
-                                      <p:cBhvr>
-                                        <p:cTn id="10" dur="1" fill="hold">
-                                          <p:stCondLst>
-                                            <p:cond delay="0"/>
-                                          </p:stCondLst>
-                                        </p:cTn>
-                                        <p:tgtEl>
-                                          <p:spTgt spid="16"/>
-                                        </p:tgtEl>
-                                        <p:attrNameLst>
-                                          <p:attrName>style.visibility</p:attrName>
-                                        </p:attrNameLst>
-                                      </p:cBhvr>
-                                      <p:to>
-                                        <p:strVal val="visible"/>
-                                      </p:to>
-                                    </p:set>
-                                    <p:animEffect transition="in" filter="dissolve">
-                                      <p:cBhvr>
-                                        <p:cTn id="11" dur="500"/>
-                                        <p:tgtEl>
-                                          <p:spTgt spid="16"/>
-                                        </p:tgtEl>
-                                      </p:cBhvr>
-                                    </p:animEffect>
-                                  </p:childTnLst>
-                                </p:cTn>
-                              </p:par>
-                            </p:childTnLst>
-                          </p:cTn>
-                        </p:par>
-                        <p:par>
-                          <p:cTn id="12" fill="hold">
-                            <p:stCondLst>
-                              <p:cond delay="1000"/>
-                            </p:stCondLst>
-                            <p:childTnLst>
-                              <p:par>
-                                <p:cTn id="13" presetID="9" presetClass="entr" presetSubtype="0" fill="hold" grpId="0" nodeType="afterEffect">
-                                  <p:stCondLst>
-                                    <p:cond delay="0"/>
-                                  </p:stCondLst>
-                                  <p:childTnLst>
-                                    <p:set>
-                                      <p:cBhvr>
-                                        <p:cTn id="14" dur="1" fill="hold">
-                                          <p:stCondLst>
-                                            <p:cond delay="0"/>
-                                          </p:stCondLst>
-                                        </p:cTn>
-                                        <p:tgtEl>
-                                          <p:spTgt spid="13"/>
-                                        </p:tgtEl>
-                                        <p:attrNameLst>
-                                          <p:attrName>style.visibility</p:attrName>
-                                        </p:attrNameLst>
-                                      </p:cBhvr>
-                                      <p:to>
-                                        <p:strVal val="visible"/>
-                                      </p:to>
-                                    </p:set>
-                                    <p:animEffect transition="in" filter="dissolve">
-                                      <p:cBhvr>
-                                        <p:cTn id="15" dur="500"/>
-                                        <p:tgtEl>
-                                          <p:spTgt spid="13"/>
-                                        </p:tgtEl>
-                                      </p:cBhvr>
-                                    </p:animEffect>
-                                  </p:childTnLst>
-                                </p:cTn>
-                              </p:par>
-                            </p:childTnLst>
-                          </p:cTn>
-                        </p:par>
-                      </p:childTnLst>
-                    </p:cTn>
-                  </p:par>
-                </p:childTnLst>
-              </p:cTn>
-              <p:prevCondLst>
-                <p:cond evt="onPrev" delay="0">
-                  <p:tgtEl>
-                    <p:sldTgt/>
-                  </p:tgtEl>
-                </p:cond>
-              </p:prevCondLst>
-              <p:nextCondLst>
-                <p:cond evt="onNext" delay="0">
-                  <p:tgtEl>
-                    <p:sldTgt/>
-                  </p:tgtEl>
-                </p:cond>
-              </p:nextCondLst>
-            </p:seq>
-          </p:childTnLst>
-        </p:cTn>
-      </p:par>
-    </p:tnLst>
-    <p:bldLst>
-      <p:bldP spid="15" grpId="0" animBg="1"/>
-      <p:bldP spid="16" grpId="0" animBg="1"/>
-      <p:bldP spid="13" grpId="0" animBg="1"/>
-    </p:bldLst>
-  </p:timing>
-</p:sld>
-</file>
-
-<file path=ppt/slides/slide11.xml><?xml version="1.0" encoding="utf-8"?>
-<p:sld xmlns:a="http://schemas.openxmlformats.org/drawingml/2006/main" xmlns:r="http://schemas.openxmlformats.org/officeDocument/2006/relationships" xmlns:p="http://schemas.openxmlformats.org/presentationml/2006/main">
-  <p:cSld>
-    <p:spTree>
-      <p:nvGrpSpPr>
-        <p:cNvPr id="1" name=""/>
-        <p:cNvGrpSpPr/>
-        <p:nvPr/>
-      </p:nvGrpSpPr>
-      <p:grpSpPr>
-        <a:xfrm>
-          <a:off x="0" y="0"/>
-          <a:ext cx="0" cy="0"/>
-          <a:chOff x="0" y="0"/>
-          <a:chExt cx="0" cy="0"/>
-        </a:xfrm>
-      </p:grpSpPr>
-      <p:sp>
-        <p:nvSpPr>
-          <p:cNvPr id="14338" name="Rectangle 2"/>
-          <p:cNvSpPr>
-            <a:spLocks noGrp="1" noChangeArrowheads="1"/>
-          </p:cNvSpPr>
-          <p:nvPr>
-            <p:ph type="title"/>
-          </p:nvPr>
-        </p:nvSpPr>
-        <p:spPr>
-          <a:xfrm>
-            <a:off x="533400" y="381000"/>
-            <a:ext cx="8382000" cy="838200"/>
-          </a:xfrm>
-        </p:spPr>
-        <p:txBody>
-          <a:bodyPr>
-            <a:normAutofit/>
-          </a:bodyPr>
-          <a:lstStyle/>
-          <a:p>
-            <a:pPr eaLnBrk="1" hangingPunct="1"/>
-            <a:r>
-              <a:rPr lang="en-GB" sz="3600" dirty="0">
-                <a:solidFill>
-                  <a:srgbClr val="0000FF"/>
-                </a:solidFill>
-              </a:rPr>
-              <a:t>Returning a Structure</a:t>
-            </a:r>
-          </a:p>
-        </p:txBody>
-      </p:sp>
-      <p:sp>
-        <p:nvSpPr>
-          <p:cNvPr id="7" name="Slide Number Placeholder 6"/>
-          <p:cNvSpPr>
-            <a:spLocks noGrp="1"/>
-          </p:cNvSpPr>
-          <p:nvPr>
-            <p:ph type="sldNum" sz="quarter" idx="12"/>
-          </p:nvPr>
-        </p:nvSpPr>
-        <p:spPr/>
-        <p:txBody>
-          <a:bodyPr>
-            <a:normAutofit/>
-          </a:bodyPr>
-          <a:lstStyle/>
-          <a:p>
-            <a:pPr>
-              <a:defRPr/>
-            </a:pPr>
-            <a:r>
-              <a:rPr lang="en-US" sz="1200" dirty="0"/>
-              <a:t>Unit28</a:t>
-            </a:r>
-            <a:r>
-              <a:rPr sz="1200" dirty="0"/>
-              <a:t> </a:t>
-            </a:r>
-            <a:r>
-              <a:rPr lang="en-US" sz="1200" dirty="0"/>
-              <a:t>-</a:t>
-            </a:r>
-            <a:r>
-              <a:rPr sz="1200" dirty="0"/>
-              <a:t> </a:t>
-            </a:r>
-            <a:fld id="{F7EC234A-9094-4BB8-9EA4-75ECDA8A365B}" type="slidenum">
-              <a:rPr sz="1200" smtClean="0"/>
-              <a:pPr>
-                <a:defRPr/>
-              </a:pPr>
-              <a:t>11</a:t>
             </a:fld>
             <a:endParaRPr sz="1200" dirty="0"/>
           </a:p>
@@ -17360,144 +16167,10 @@
   <p:transition>
     <p:fade/>
   </p:transition>
-  <p:timing>
-    <p:tnLst>
-      <p:par>
-        <p:cTn id="1" dur="indefinite" restart="never" nodeType="tmRoot">
-          <p:childTnLst>
-            <p:seq concurrent="1" nextAc="seek">
-              <p:cTn id="2" dur="indefinite" nodeType="mainSeq">
-                <p:childTnLst>
-                  <p:par>
-                    <p:cTn id="3" fill="hold">
-                      <p:stCondLst>
-                        <p:cond delay="indefinite"/>
-                        <p:cond evt="onBegin" delay="0">
-                          <p:tn val="2"/>
-                        </p:cond>
-                      </p:stCondLst>
-                      <p:childTnLst>
-                        <p:par>
-                          <p:cTn id="4" fill="hold">
-                            <p:stCondLst>
-                              <p:cond delay="0"/>
-                            </p:stCondLst>
-                            <p:childTnLst>
-                              <p:par>
-                                <p:cTn id="5" presetID="9" presetClass="entr" presetSubtype="0" fill="hold" grpId="0" nodeType="afterEffect">
-                                  <p:stCondLst>
-                                    <p:cond delay="0"/>
-                                  </p:stCondLst>
-                                  <p:childTnLst>
-                                    <p:set>
-                                      <p:cBhvr>
-                                        <p:cTn id="6" dur="1" fill="hold">
-                                          <p:stCondLst>
-                                            <p:cond delay="0"/>
-                                          </p:stCondLst>
-                                        </p:cTn>
-                                        <p:tgtEl>
-                                          <p:spTgt spid="15"/>
-                                        </p:tgtEl>
-                                        <p:attrNameLst>
-                                          <p:attrName>style.visibility</p:attrName>
-                                        </p:attrNameLst>
-                                      </p:cBhvr>
-                                      <p:to>
-                                        <p:strVal val="visible"/>
-                                      </p:to>
-                                    </p:set>
-                                    <p:animEffect transition="in" filter="dissolve">
-                                      <p:cBhvr>
-                                        <p:cTn id="7" dur="500"/>
-                                        <p:tgtEl>
-                                          <p:spTgt spid="15"/>
-                                        </p:tgtEl>
-                                      </p:cBhvr>
-                                    </p:animEffect>
-                                  </p:childTnLst>
-                                </p:cTn>
-                              </p:par>
-                            </p:childTnLst>
-                          </p:cTn>
-                        </p:par>
-                        <p:par>
-                          <p:cTn id="8" fill="hold">
-                            <p:stCondLst>
-                              <p:cond delay="500"/>
-                            </p:stCondLst>
-                            <p:childTnLst>
-                              <p:par>
-                                <p:cTn id="9" presetID="9" presetClass="entr" presetSubtype="0" fill="hold" grpId="0" nodeType="afterEffect">
-                                  <p:stCondLst>
-                                    <p:cond delay="0"/>
-                                  </p:stCondLst>
-                                  <p:childTnLst>
-                                    <p:set>
-                                      <p:cBhvr>
-                                        <p:cTn id="10" dur="1" fill="hold">
-                                          <p:stCondLst>
-                                            <p:cond delay="0"/>
-                                          </p:stCondLst>
-                                        </p:cTn>
-                                        <p:tgtEl>
-                                          <p:spTgt spid="16"/>
-                                        </p:tgtEl>
-                                        <p:attrNameLst>
-                                          <p:attrName>style.visibility</p:attrName>
-                                        </p:attrNameLst>
-                                      </p:cBhvr>
-                                      <p:to>
-                                        <p:strVal val="visible"/>
-                                      </p:to>
-                                    </p:set>
-                                    <p:animEffect transition="in" filter="dissolve">
-                                      <p:cBhvr>
-                                        <p:cTn id="11" dur="500"/>
-                                        <p:tgtEl>
-                                          <p:spTgt spid="16"/>
-                                        </p:tgtEl>
-                                      </p:cBhvr>
-                                    </p:animEffect>
-                                  </p:childTnLst>
-                                </p:cTn>
-                              </p:par>
-                            </p:childTnLst>
-                          </p:cTn>
-                        </p:par>
-                      </p:childTnLst>
-                    </p:cTn>
-                  </p:par>
-                </p:childTnLst>
-              </p:cTn>
-              <p:prevCondLst>
-                <p:cond evt="onPrev" delay="0">
-                  <p:tgtEl>
-                    <p:sldTgt/>
-                  </p:tgtEl>
-                </p:cond>
-              </p:prevCondLst>
-              <p:nextCondLst>
-                <p:cond evt="onNext" delay="0">
-                  <p:tgtEl>
-                    <p:sldTgt/>
-                  </p:tgtEl>
-                </p:cond>
-              </p:nextCondLst>
-            </p:seq>
-          </p:childTnLst>
-        </p:cTn>
-      </p:par>
-    </p:tnLst>
-    <p:bldLst>
-      <p:bldP spid="15" grpId="0" animBg="1"/>
-      <p:bldP spid="16" grpId="0" animBg="1"/>
-    </p:bldLst>
-  </p:timing>
 </p:sld>
 </file>
 
-<file path=ppt/slides/slide12.xml><?xml version="1.0" encoding="utf-8"?>
+<file path=ppt/slides/slide11.xml><?xml version="1.0" encoding="utf-8"?>
 <p:sld xmlns:a="http://schemas.openxmlformats.org/drawingml/2006/main" xmlns:r="http://schemas.openxmlformats.org/officeDocument/2006/relationships" xmlns:p="http://schemas.openxmlformats.org/presentationml/2006/main">
   <p:cSld>
     <p:spTree>
@@ -17589,7 +16262,7 @@
               <a:pPr>
                 <a:defRPr/>
               </a:pPr>
-              <a:t>12</a:t>
+              <a:t>11</a:t>
             </a:fld>
             <a:endParaRPr sz="1200" dirty="0"/>
           </a:p>
@@ -18383,7 +17056,7 @@
         <p:spPr bwMode="auto">
           <a:xfrm>
             <a:off x="4572000" y="6028828"/>
-            <a:ext cx="3604437" cy="646331"/>
+            <a:ext cx="2573267" cy="646331"/>
           </a:xfrm>
           <a:prstGeom prst="rect">
             <a:avLst/>
@@ -18411,7 +17084,7 @@
                 <a:latin typeface="Arial" charset="0"/>
                 <a:cs typeface="Arial" charset="0"/>
               </a:rPr>
-              <a:t>Note that it is better to name the type </a:t>
+              <a:t>Better to name the type </a:t>
             </a:r>
             <a:r>
               <a:rPr lang="en-SG" dirty="0" err="1">
@@ -18689,185 +17362,6 @@
   <p:transition>
     <p:fade/>
   </p:transition>
-  <p:timing>
-    <p:tnLst>
-      <p:par>
-        <p:cTn id="1" dur="indefinite" restart="never" nodeType="tmRoot">
-          <p:childTnLst>
-            <p:seq concurrent="1" nextAc="seek">
-              <p:cTn id="2" dur="indefinite" nodeType="mainSeq">
-                <p:childTnLst>
-                  <p:par>
-                    <p:cTn id="3" fill="hold">
-                      <p:stCondLst>
-                        <p:cond delay="indefinite"/>
-                        <p:cond evt="onBegin" delay="0">
-                          <p:tn val="2"/>
-                        </p:cond>
-                      </p:stCondLst>
-                      <p:childTnLst>
-                        <p:par>
-                          <p:cTn id="4" fill="hold">
-                            <p:stCondLst>
-                              <p:cond delay="0"/>
-                            </p:stCondLst>
-                            <p:childTnLst>
-                              <p:par>
-                                <p:cTn id="5" presetID="9" presetClass="entr" presetSubtype="0" fill="hold" grpId="0" nodeType="afterEffect">
-                                  <p:stCondLst>
-                                    <p:cond delay="0"/>
-                                  </p:stCondLst>
-                                  <p:childTnLst>
-                                    <p:set>
-                                      <p:cBhvr>
-                                        <p:cTn id="6" dur="1" fill="hold">
-                                          <p:stCondLst>
-                                            <p:cond delay="0"/>
-                                          </p:stCondLst>
-                                        </p:cTn>
-                                        <p:tgtEl>
-                                          <p:spTgt spid="16"/>
-                                        </p:tgtEl>
-                                        <p:attrNameLst>
-                                          <p:attrName>style.visibility</p:attrName>
-                                        </p:attrNameLst>
-                                      </p:cBhvr>
-                                      <p:to>
-                                        <p:strVal val="visible"/>
-                                      </p:to>
-                                    </p:set>
-                                    <p:animEffect transition="in" filter="dissolve">
-                                      <p:cBhvr>
-                                        <p:cTn id="7" dur="500"/>
-                                        <p:tgtEl>
-                                          <p:spTgt spid="16"/>
-                                        </p:tgtEl>
-                                      </p:cBhvr>
-                                    </p:animEffect>
-                                  </p:childTnLst>
-                                </p:cTn>
-                              </p:par>
-                            </p:childTnLst>
-                          </p:cTn>
-                        </p:par>
-                        <p:par>
-                          <p:cTn id="8" fill="hold">
-                            <p:stCondLst>
-                              <p:cond delay="500"/>
-                            </p:stCondLst>
-                            <p:childTnLst>
-                              <p:par>
-                                <p:cTn id="9" presetID="9" presetClass="entr" presetSubtype="0" fill="hold" grpId="0" nodeType="afterEffect">
-                                  <p:stCondLst>
-                                    <p:cond delay="0"/>
-                                  </p:stCondLst>
-                                  <p:childTnLst>
-                                    <p:set>
-                                      <p:cBhvr>
-                                        <p:cTn id="10" dur="1" fill="hold">
-                                          <p:stCondLst>
-                                            <p:cond delay="0"/>
-                                          </p:stCondLst>
-                                        </p:cTn>
-                                        <p:tgtEl>
-                                          <p:spTgt spid="13"/>
-                                        </p:tgtEl>
-                                        <p:attrNameLst>
-                                          <p:attrName>style.visibility</p:attrName>
-                                        </p:attrNameLst>
-                                      </p:cBhvr>
-                                      <p:to>
-                                        <p:strVal val="visible"/>
-                                      </p:to>
-                                    </p:set>
-                                    <p:animEffect transition="in" filter="dissolve">
-                                      <p:cBhvr>
-                                        <p:cTn id="11" dur="500"/>
-                                        <p:tgtEl>
-                                          <p:spTgt spid="13"/>
-                                        </p:tgtEl>
-                                      </p:cBhvr>
-                                    </p:animEffect>
-                                  </p:childTnLst>
-                                </p:cTn>
-                              </p:par>
-                            </p:childTnLst>
-                          </p:cTn>
-                        </p:par>
-                        <p:par>
-                          <p:cTn id="12" fill="hold">
-                            <p:stCondLst>
-                              <p:cond delay="1000"/>
-                            </p:stCondLst>
-                            <p:childTnLst>
-                              <p:par>
-                                <p:cTn id="13" presetID="9" presetClass="entr" presetSubtype="0" fill="hold" grpId="0" nodeType="afterEffect">
-                                  <p:stCondLst>
-                                    <p:cond delay="0"/>
-                                  </p:stCondLst>
-                                  <p:childTnLst>
-                                    <p:set>
-                                      <p:cBhvr>
-                                        <p:cTn id="14" dur="1" fill="hold">
-                                          <p:stCondLst>
-                                            <p:cond delay="0"/>
-                                          </p:stCondLst>
-                                        </p:cTn>
-                                        <p:tgtEl>
-                                          <p:spTgt spid="14"/>
-                                        </p:tgtEl>
-                                        <p:attrNameLst>
-                                          <p:attrName>style.visibility</p:attrName>
-                                        </p:attrNameLst>
-                                      </p:cBhvr>
-                                      <p:to>
-                                        <p:strVal val="visible"/>
-                                      </p:to>
-                                    </p:set>
-                                    <p:animEffect transition="in" filter="dissolve">
-                                      <p:cBhvr>
-                                        <p:cTn id="15" dur="500"/>
-                                        <p:tgtEl>
-                                          <p:spTgt spid="14"/>
-                                        </p:tgtEl>
-                                      </p:cBhvr>
-                                    </p:animEffect>
-                                  </p:childTnLst>
-                                </p:cTn>
-                              </p:par>
-                            </p:childTnLst>
-                          </p:cTn>
-                        </p:par>
-                      </p:childTnLst>
-                    </p:cTn>
-                  </p:par>
-                </p:childTnLst>
-              </p:cTn>
-              <p:prevCondLst>
-                <p:cond evt="onPrev" delay="0">
-                  <p:tgtEl>
-                    <p:sldTgt/>
-                  </p:tgtEl>
-                </p:cond>
-              </p:prevCondLst>
-              <p:nextCondLst>
-                <p:cond evt="onNext" delay="0">
-                  <p:tgtEl>
-                    <p:sldTgt/>
-                  </p:tgtEl>
-                </p:cond>
-              </p:nextCondLst>
-            </p:seq>
-          </p:childTnLst>
-        </p:cTn>
-      </p:par>
-    </p:tnLst>
-    <p:bldLst>
-      <p:bldP spid="16" grpId="0" animBg="1"/>
-      <p:bldP spid="13" grpId="0" animBg="1"/>
-      <p:bldP spid="14" grpId="0" animBg="1"/>
-    </p:bldLst>
-  </p:timing>
 </p:sld>
 </file>
 
@@ -18977,7 +17471,7 @@
             </a:pPr>
             <a:r>
               <a:rPr lang="en-GB" sz="2800" dirty="0"/>
-              <a:t>Structure Type</a:t>
+              <a:t>Structure</a:t>
             </a:r>
           </a:p>
           <a:p>
@@ -22155,7 +20649,7 @@
                     <a:srgbClr val="800000"/>
                   </a:solidFill>
                 </a:rPr>
-                <a:t>contains an integer</a:t>
+                <a:t>contains a string</a:t>
               </a:r>
               <a:endParaRPr lang="en-SG" sz="1400" i="1" dirty="0">
                 <a:solidFill>
@@ -22280,136 +20774,6 @@
   <p:transition>
     <p:fade/>
   </p:transition>
-  <p:timing>
-    <p:tnLst>
-      <p:par>
-        <p:cTn id="1" dur="indefinite" restart="never" nodeType="tmRoot">
-          <p:childTnLst>
-            <p:seq concurrent="1" nextAc="seek">
-              <p:cTn id="2" dur="indefinite" nodeType="mainSeq">
-                <p:childTnLst>
-                  <p:par>
-                    <p:cTn id="3" fill="hold">
-                      <p:stCondLst>
-                        <p:cond delay="indefinite"/>
-                        <p:cond evt="onBegin" delay="0">
-                          <p:tn val="2"/>
-                        </p:cond>
-                      </p:stCondLst>
-                      <p:childTnLst>
-                        <p:par>
-                          <p:cTn id="4" fill="hold">
-                            <p:stCondLst>
-                              <p:cond delay="0"/>
-                            </p:stCondLst>
-                            <p:childTnLst>
-                              <p:par>
-                                <p:cTn id="5" presetID="9" presetClass="entr" presetSubtype="0" fill="hold" nodeType="afterEffect">
-                                  <p:stCondLst>
-                                    <p:cond delay="0"/>
-                                  </p:stCondLst>
-                                  <p:childTnLst>
-                                    <p:set>
-                                      <p:cBhvr>
-                                        <p:cTn id="6" dur="1" fill="hold">
-                                          <p:stCondLst>
-                                            <p:cond delay="0"/>
-                                          </p:stCondLst>
-                                        </p:cTn>
-                                        <p:tgtEl>
-                                          <p:spTgt spid="47"/>
-                                        </p:tgtEl>
-                                        <p:attrNameLst>
-                                          <p:attrName>style.visibility</p:attrName>
-                                        </p:attrNameLst>
-                                      </p:cBhvr>
-                                      <p:to>
-                                        <p:strVal val="visible"/>
-                                      </p:to>
-                                    </p:set>
-                                    <p:animEffect transition="in" filter="dissolve">
-                                      <p:cBhvr>
-                                        <p:cTn id="7" dur="500"/>
-                                        <p:tgtEl>
-                                          <p:spTgt spid="47"/>
-                                        </p:tgtEl>
-                                      </p:cBhvr>
-                                    </p:animEffect>
-                                  </p:childTnLst>
-                                </p:cTn>
-                              </p:par>
-                            </p:childTnLst>
-                          </p:cTn>
-                        </p:par>
-                        <p:par>
-                          <p:cTn id="8" fill="hold">
-                            <p:stCondLst>
-                              <p:cond delay="500"/>
-                            </p:stCondLst>
-                            <p:childTnLst>
-                              <p:par>
-                                <p:cTn id="9" presetID="9" presetClass="entr" presetSubtype="0" fill="hold" nodeType="afterEffect">
-                                  <p:stCondLst>
-                                    <p:cond delay="1000"/>
-                                  </p:stCondLst>
-                                  <p:childTnLst>
-                                    <p:set>
-                                      <p:cBhvr>
-                                        <p:cTn id="10" dur="1" fill="hold">
-                                          <p:stCondLst>
-                                            <p:cond delay="0"/>
-                                          </p:stCondLst>
-                                        </p:cTn>
-                                        <p:tgtEl>
-                                          <p:spTgt spid="58"/>
-                                        </p:tgtEl>
-                                        <p:attrNameLst>
-                                          <p:attrName>style.visibility</p:attrName>
-                                        </p:attrNameLst>
-                                      </p:cBhvr>
-                                      <p:to>
-                                        <p:strVal val="visible"/>
-                                      </p:to>
-                                    </p:set>
-                                    <p:animEffect transition="in" filter="dissolve">
-                                      <p:cBhvr>
-                                        <p:cTn id="11" dur="500"/>
-                                        <p:tgtEl>
-                                          <p:spTgt spid="58"/>
-                                        </p:tgtEl>
-                                      </p:cBhvr>
-                                    </p:animEffect>
-                                  </p:childTnLst>
-                                </p:cTn>
-                              </p:par>
-                            </p:childTnLst>
-                          </p:cTn>
-                        </p:par>
-                      </p:childTnLst>
-                    </p:cTn>
-                  </p:par>
-                </p:childTnLst>
-              </p:cTn>
-              <p:prevCondLst>
-                <p:cond evt="onPrev" delay="0">
-                  <p:tgtEl>
-                    <p:sldTgt/>
-                  </p:tgtEl>
-                </p:cond>
-              </p:prevCondLst>
-              <p:nextCondLst>
-                <p:cond evt="onNext" delay="0">
-                  <p:tgtEl>
-                    <p:sldTgt/>
-                  </p:tgtEl>
-                </p:cond>
-              </p:nextCondLst>
-            </p:seq>
-          </p:childTnLst>
-        </p:cTn>
-      </p:par>
-    </p:tnLst>
-  </p:timing>
 </p:sld>
 </file>
 
@@ -22459,7 +20823,7 @@
                   <a:srgbClr val="0000FF"/>
                 </a:solidFill>
               </a:rPr>
-              <a:t>Organizing Data</a:t>
+              <a:t>Structure</a:t>
             </a:r>
           </a:p>
         </p:txBody>
@@ -22489,12 +20853,16 @@
               <a:t>Unit28</a:t>
             </a:r>
             <a:r>
-              <a:rPr lang="en-US" dirty="0"/>
+              <a:rPr sz="1200" dirty="0"/>
               <a:t> </a:t>
             </a:r>
             <a:r>
+              <a:rPr lang="en-US" sz="1200" dirty="0"/>
+              <a:t>-</a:t>
+            </a:r>
+            <a:r>
               <a:rPr sz="1200" dirty="0"/>
-              <a:t>- </a:t>
+              <a:t> </a:t>
             </a:r>
             <a:fld id="{F7EC234A-9094-4BB8-9EA4-75ECDA8A365B}" type="slidenum">
               <a:rPr sz="1200" smtClean="0"/>
@@ -22502,1195 +20870,6 @@
                 <a:defRPr/>
               </a:pPr>
               <a:t>5</a:t>
-            </a:fld>
-            <a:endParaRPr sz="1200" dirty="0"/>
-          </a:p>
-        </p:txBody>
-      </p:sp>
-      <p:sp>
-        <p:nvSpPr>
-          <p:cNvPr id="12" name="[Date Placeholder 3]"/>
-          <p:cNvSpPr>
-            <a:spLocks noGrp="1"/>
-          </p:cNvSpPr>
-          <p:nvPr>
-            <p:ph type="dt" sz="half" idx="10"/>
-          </p:nvPr>
-        </p:nvSpPr>
-        <p:spPr>
-          <a:xfrm>
-            <a:off x="457200" y="18288"/>
-            <a:ext cx="2895600" cy="329184"/>
-          </a:xfrm>
-        </p:spPr>
-        <p:txBody>
-          <a:bodyPr/>
-          <a:lstStyle/>
-          <a:p>
-            <a:pPr>
-              <a:defRPr/>
-            </a:pPr>
-            <a:r>
-              <a:rPr lang="en-US" dirty="0"/>
-              <a:t>© NUS</a:t>
-            </a:r>
-          </a:p>
-        </p:txBody>
-      </p:sp>
-      <p:sp>
-        <p:nvSpPr>
-          <p:cNvPr id="46" name="Rectangle 8"/>
-          <p:cNvSpPr>
-            <a:spLocks noChangeArrowheads="1"/>
-          </p:cNvSpPr>
-          <p:nvPr/>
-        </p:nvSpPr>
-        <p:spPr bwMode="auto">
-          <a:xfrm>
-            <a:off x="733425" y="1457324"/>
-            <a:ext cx="7834313" cy="1358015"/>
-          </a:xfrm>
-          <a:prstGeom prst="rect">
-            <a:avLst/>
-          </a:prstGeom>
-          <a:noFill/>
-          <a:ln w="9525">
-            <a:noFill/>
-            <a:miter lim="800000"/>
-            <a:headEnd/>
-            <a:tailEnd/>
-          </a:ln>
-        </p:spPr>
-        <p:txBody>
-          <a:bodyPr/>
-          <a:lstStyle/>
-          <a:p>
-            <a:pPr marL="342900" indent="-342900">
-              <a:spcBef>
-                <a:spcPts val="600"/>
-              </a:spcBef>
-              <a:buClr>
-                <a:schemeClr val="tx1">
-                  <a:lumMod val="90000"/>
-                  <a:lumOff val="10000"/>
-                </a:schemeClr>
-              </a:buClr>
-              <a:buSzPct val="100000"/>
-              <a:buFont typeface="Wingdings" panose="05000000000000000000" pitchFamily="2" charset="2"/>
-              <a:buChar char="§"/>
-            </a:pPr>
-            <a:r>
-              <a:rPr lang="en-US" sz="2400" dirty="0"/>
-              <a:t>A </a:t>
-            </a:r>
-            <a:r>
-              <a:rPr lang="en-US" sz="2400" i="1" dirty="0"/>
-              <a:t>group </a:t>
-            </a:r>
-            <a:r>
-              <a:rPr lang="en-US" sz="2400" dirty="0"/>
-              <a:t>can be a member of another </a:t>
-            </a:r>
-            <a:r>
-              <a:rPr lang="en-US" sz="2400" i="1" dirty="0"/>
-              <a:t>group</a:t>
-            </a:r>
-            <a:r>
-              <a:rPr lang="en-US" sz="2400" dirty="0"/>
-              <a:t>.</a:t>
-            </a:r>
-          </a:p>
-          <a:p>
-            <a:pPr marL="342900" indent="-342900">
-              <a:spcBef>
-                <a:spcPts val="600"/>
-              </a:spcBef>
-              <a:buClr>
-                <a:schemeClr val="tx1">
-                  <a:lumMod val="90000"/>
-                  <a:lumOff val="10000"/>
-                </a:schemeClr>
-              </a:buClr>
-              <a:buSzPct val="100000"/>
-              <a:buFont typeface="Wingdings" panose="05000000000000000000" pitchFamily="2" charset="2"/>
-              <a:buChar char="§"/>
-            </a:pPr>
-            <a:r>
-              <a:rPr lang="en-US" sz="2400" dirty="0"/>
-              <a:t>Example: the expiry date of a membership card is of “date” group</a:t>
-            </a:r>
-          </a:p>
-        </p:txBody>
-      </p:sp>
-      <p:grpSp>
-        <p:nvGrpSpPr>
-          <p:cNvPr id="33" name="Group 34"/>
-          <p:cNvGrpSpPr>
-            <a:grpSpLocks/>
-          </p:cNvGrpSpPr>
-          <p:nvPr/>
-        </p:nvGrpSpPr>
-        <p:grpSpPr bwMode="auto">
-          <a:xfrm>
-            <a:off x="2995613" y="2780547"/>
-            <a:ext cx="3171825" cy="966787"/>
-            <a:chOff x="2994829" y="2547466"/>
-            <a:chExt cx="3172886" cy="967645"/>
-          </a:xfrm>
-        </p:grpSpPr>
-        <p:sp>
-          <p:nvSpPr>
-            <p:cNvPr id="34" name="Rectangle 33"/>
-            <p:cNvSpPr/>
-            <p:nvPr/>
-          </p:nvSpPr>
-          <p:spPr bwMode="auto">
-            <a:xfrm>
-              <a:off x="5443573" y="3087695"/>
-              <a:ext cx="495466" cy="333671"/>
-            </a:xfrm>
-            <a:prstGeom prst="rect">
-              <a:avLst/>
-            </a:prstGeom>
-            <a:noFill/>
-            <a:ln w="12700" cap="sq" cmpd="sng" algn="ctr">
-              <a:solidFill>
-                <a:schemeClr val="tx1"/>
-              </a:solidFill>
-              <a:prstDash val="solid"/>
-              <a:round/>
-              <a:headEnd type="none" w="sm" len="sm"/>
-              <a:tailEnd type="none" w="sm" len="sm"/>
-            </a:ln>
-            <a:effectLst/>
-          </p:spPr>
-          <p:txBody>
-            <a:bodyPr/>
-            <a:lstStyle/>
-            <a:p>
-              <a:pPr>
-                <a:defRPr/>
-              </a:pPr>
-              <a:endParaRPr lang="en-SG">
-                <a:latin typeface="Arial" charset="0"/>
-                <a:cs typeface="Arial" charset="0"/>
-              </a:endParaRPr>
-            </a:p>
-          </p:txBody>
-        </p:sp>
-        <p:sp>
-          <p:nvSpPr>
-            <p:cNvPr id="35" name="TextBox 46"/>
-            <p:cNvSpPr txBox="1">
-              <a:spLocks noChangeArrowheads="1"/>
-            </p:cNvSpPr>
-            <p:nvPr/>
-          </p:nvSpPr>
-          <p:spPr bwMode="auto">
-            <a:xfrm>
-              <a:off x="3571368" y="2815105"/>
-              <a:ext cx="494006" cy="307685"/>
-            </a:xfrm>
-            <a:prstGeom prst="rect">
-              <a:avLst/>
-            </a:prstGeom>
-            <a:noFill/>
-            <a:ln w="9525">
-              <a:noFill/>
-              <a:miter lim="800000"/>
-              <a:headEnd/>
-              <a:tailEnd/>
-            </a:ln>
-          </p:spPr>
-          <p:txBody>
-            <a:bodyPr>
-              <a:spAutoFit/>
-            </a:bodyPr>
-            <a:lstStyle/>
-            <a:p>
-              <a:r>
-                <a:rPr lang="en-US" sz="1400"/>
-                <a:t>day</a:t>
-              </a:r>
-              <a:endParaRPr lang="en-SG" sz="1400"/>
-            </a:p>
-          </p:txBody>
-        </p:sp>
-        <p:sp>
-          <p:nvSpPr>
-            <p:cNvPr id="36" name="TextBox 55"/>
-            <p:cNvSpPr txBox="1">
-              <a:spLocks noChangeArrowheads="1"/>
-            </p:cNvSpPr>
-            <p:nvPr/>
-          </p:nvSpPr>
-          <p:spPr bwMode="auto">
-            <a:xfrm>
-              <a:off x="5308873" y="2815105"/>
-              <a:ext cx="597658" cy="307685"/>
-            </a:xfrm>
-            <a:prstGeom prst="rect">
-              <a:avLst/>
-            </a:prstGeom>
-            <a:noFill/>
-            <a:ln w="9525">
-              <a:noFill/>
-              <a:miter lim="800000"/>
-              <a:headEnd/>
-              <a:tailEnd/>
-            </a:ln>
-          </p:spPr>
-          <p:txBody>
-            <a:bodyPr>
-              <a:spAutoFit/>
-            </a:bodyPr>
-            <a:lstStyle/>
-            <a:p>
-              <a:r>
-                <a:rPr lang="en-US" sz="1400"/>
-                <a:t>year</a:t>
-              </a:r>
-              <a:endParaRPr lang="en-SG" sz="1400"/>
-            </a:p>
-          </p:txBody>
-        </p:sp>
-        <p:sp>
-          <p:nvSpPr>
-            <p:cNvPr id="37" name="TextBox 57"/>
-            <p:cNvSpPr txBox="1">
-              <a:spLocks noChangeArrowheads="1"/>
-            </p:cNvSpPr>
-            <p:nvPr/>
-          </p:nvSpPr>
-          <p:spPr bwMode="auto">
-            <a:xfrm>
-              <a:off x="2994829" y="2547466"/>
-              <a:ext cx="625701" cy="307685"/>
-            </a:xfrm>
-            <a:prstGeom prst="rect">
-              <a:avLst/>
-            </a:prstGeom>
-            <a:noFill/>
-            <a:ln w="9525">
-              <a:noFill/>
-              <a:miter lim="800000"/>
-              <a:headEnd/>
-              <a:tailEnd/>
-            </a:ln>
-          </p:spPr>
-          <p:txBody>
-            <a:bodyPr>
-              <a:spAutoFit/>
-            </a:bodyPr>
-            <a:lstStyle/>
-            <a:p>
-              <a:r>
-                <a:rPr lang="en-US" sz="1400"/>
-                <a:t>date</a:t>
-              </a:r>
-              <a:endParaRPr lang="en-SG" sz="1400"/>
-            </a:p>
-          </p:txBody>
-        </p:sp>
-        <p:sp>
-          <p:nvSpPr>
-            <p:cNvPr id="38" name="Rectangle 58"/>
-            <p:cNvSpPr>
-              <a:spLocks noChangeArrowheads="1"/>
-            </p:cNvSpPr>
-            <p:nvPr/>
-          </p:nvSpPr>
-          <p:spPr bwMode="auto">
-            <a:xfrm>
-              <a:off x="3444510" y="2817340"/>
-              <a:ext cx="2723205" cy="697771"/>
-            </a:xfrm>
-            <a:prstGeom prst="rect">
-              <a:avLst/>
-            </a:prstGeom>
-            <a:noFill/>
-            <a:ln w="12700" cap="sq" algn="ctr">
-              <a:solidFill>
-                <a:schemeClr val="tx1"/>
-              </a:solidFill>
-              <a:round/>
-              <a:headEnd type="none" w="sm" len="sm"/>
-              <a:tailEnd type="none" w="sm" len="sm"/>
-            </a:ln>
-          </p:spPr>
-          <p:txBody>
-            <a:bodyPr/>
-            <a:lstStyle/>
-            <a:p>
-              <a:endParaRPr lang="en-SG"/>
-            </a:p>
-          </p:txBody>
-        </p:sp>
-        <p:sp>
-          <p:nvSpPr>
-            <p:cNvPr id="39" name="Rectangle 38"/>
-            <p:cNvSpPr/>
-            <p:nvPr/>
-          </p:nvSpPr>
-          <p:spPr bwMode="auto">
-            <a:xfrm>
-              <a:off x="3680858" y="3087695"/>
-              <a:ext cx="495466" cy="333671"/>
-            </a:xfrm>
-            <a:prstGeom prst="rect">
-              <a:avLst/>
-            </a:prstGeom>
-            <a:noFill/>
-            <a:ln w="12700" cap="sq" cmpd="sng" algn="ctr">
-              <a:solidFill>
-                <a:schemeClr val="tx1"/>
-              </a:solidFill>
-              <a:prstDash val="solid"/>
-              <a:round/>
-              <a:headEnd type="none" w="sm" len="sm"/>
-              <a:tailEnd type="none" w="sm" len="sm"/>
-            </a:ln>
-            <a:effectLst/>
-          </p:spPr>
-          <p:txBody>
-            <a:bodyPr/>
-            <a:lstStyle/>
-            <a:p>
-              <a:pPr>
-                <a:defRPr/>
-              </a:pPr>
-              <a:endParaRPr lang="en-SG">
-                <a:latin typeface="Arial" charset="0"/>
-                <a:cs typeface="Arial" charset="0"/>
-              </a:endParaRPr>
-            </a:p>
-          </p:txBody>
-        </p:sp>
-        <p:sp>
-          <p:nvSpPr>
-            <p:cNvPr id="40" name="Rectangle 39"/>
-            <p:cNvSpPr/>
-            <p:nvPr/>
-          </p:nvSpPr>
-          <p:spPr bwMode="auto">
-            <a:xfrm>
-              <a:off x="4595564" y="3087695"/>
-              <a:ext cx="495466" cy="333671"/>
-            </a:xfrm>
-            <a:prstGeom prst="rect">
-              <a:avLst/>
-            </a:prstGeom>
-            <a:noFill/>
-            <a:ln w="12700" cap="sq" cmpd="sng" algn="ctr">
-              <a:solidFill>
-                <a:schemeClr val="tx1"/>
-              </a:solidFill>
-              <a:prstDash val="solid"/>
-              <a:round/>
-              <a:headEnd type="none" w="sm" len="sm"/>
-              <a:tailEnd type="none" w="sm" len="sm"/>
-            </a:ln>
-            <a:effectLst/>
-          </p:spPr>
-          <p:txBody>
-            <a:bodyPr/>
-            <a:lstStyle/>
-            <a:p>
-              <a:pPr>
-                <a:defRPr/>
-              </a:pPr>
-              <a:endParaRPr lang="en-SG">
-                <a:latin typeface="Arial" charset="0"/>
-                <a:cs typeface="Arial" charset="0"/>
-              </a:endParaRPr>
-            </a:p>
-          </p:txBody>
-        </p:sp>
-        <p:sp>
-          <p:nvSpPr>
-            <p:cNvPr id="41" name="TextBox 46"/>
-            <p:cNvSpPr txBox="1">
-              <a:spLocks noChangeArrowheads="1"/>
-            </p:cNvSpPr>
-            <p:nvPr/>
-          </p:nvSpPr>
-          <p:spPr bwMode="auto">
-            <a:xfrm>
-              <a:off x="4353962" y="2815105"/>
-              <a:ext cx="737021" cy="307685"/>
-            </a:xfrm>
-            <a:prstGeom prst="rect">
-              <a:avLst/>
-            </a:prstGeom>
-            <a:noFill/>
-            <a:ln w="9525">
-              <a:noFill/>
-              <a:miter lim="800000"/>
-              <a:headEnd/>
-              <a:tailEnd/>
-            </a:ln>
-          </p:spPr>
-          <p:txBody>
-            <a:bodyPr>
-              <a:spAutoFit/>
-            </a:bodyPr>
-            <a:lstStyle/>
-            <a:p>
-              <a:r>
-                <a:rPr lang="en-US" sz="1400"/>
-                <a:t>month</a:t>
-              </a:r>
-              <a:endParaRPr lang="en-SG" sz="1400"/>
-            </a:p>
-          </p:txBody>
-        </p:sp>
-      </p:grpSp>
-      <p:grpSp>
-        <p:nvGrpSpPr>
-          <p:cNvPr id="42" name="Group 48"/>
-          <p:cNvGrpSpPr>
-            <a:grpSpLocks/>
-          </p:cNvGrpSpPr>
-          <p:nvPr/>
-        </p:nvGrpSpPr>
-        <p:grpSpPr bwMode="auto">
-          <a:xfrm>
-            <a:off x="1575469" y="3965245"/>
-            <a:ext cx="5765131" cy="1446547"/>
-            <a:chOff x="1576193" y="3965494"/>
-            <a:chExt cx="5763721" cy="1446765"/>
-          </a:xfrm>
-        </p:grpSpPr>
-        <p:grpSp>
-          <p:nvGrpSpPr>
-            <p:cNvPr id="43" name="Group 47"/>
-            <p:cNvGrpSpPr>
-              <a:grpSpLocks/>
-            </p:cNvGrpSpPr>
-            <p:nvPr/>
-          </p:nvGrpSpPr>
-          <p:grpSpPr bwMode="auto">
-            <a:xfrm>
-              <a:off x="2036198" y="4401660"/>
-              <a:ext cx="1913645" cy="616840"/>
-              <a:chOff x="1331863" y="4278092"/>
-              <a:chExt cx="1913645" cy="616840"/>
-            </a:xfrm>
-          </p:grpSpPr>
-          <p:sp>
-            <p:nvSpPr>
-              <p:cNvPr id="82" name="Rectangle 81"/>
-              <p:cNvSpPr/>
-              <p:nvPr/>
-            </p:nvSpPr>
-            <p:spPr bwMode="auto">
-              <a:xfrm>
-                <a:off x="1556821" y="4561506"/>
-                <a:ext cx="1688687" cy="333426"/>
-              </a:xfrm>
-              <a:prstGeom prst="rect">
-                <a:avLst/>
-              </a:prstGeom>
-              <a:noFill/>
-              <a:ln w="12700" cap="sq" cmpd="sng" algn="ctr">
-                <a:solidFill>
-                  <a:schemeClr val="tx1"/>
-                </a:solidFill>
-                <a:prstDash val="solid"/>
-                <a:round/>
-                <a:headEnd type="none" w="sm" len="sm"/>
-                <a:tailEnd type="none" w="sm" len="sm"/>
-              </a:ln>
-              <a:effectLst/>
-            </p:spPr>
-            <p:txBody>
-              <a:bodyPr/>
-              <a:lstStyle/>
-              <a:p>
-                <a:pPr>
-                  <a:defRPr/>
-                </a:pPr>
-                <a:endParaRPr lang="en-SG">
-                  <a:latin typeface="Arial" charset="0"/>
-                  <a:cs typeface="Arial" charset="0"/>
-                </a:endParaRPr>
-              </a:p>
-            </p:txBody>
-          </p:sp>
-          <p:sp>
-            <p:nvSpPr>
-              <p:cNvPr id="83" name="TextBox 62"/>
-              <p:cNvSpPr txBox="1">
-                <a:spLocks noChangeArrowheads="1"/>
-              </p:cNvSpPr>
-              <p:nvPr/>
-            </p:nvSpPr>
-            <p:spPr bwMode="auto">
-              <a:xfrm>
-                <a:off x="1331863" y="4278092"/>
-                <a:ext cx="959790" cy="307824"/>
-              </a:xfrm>
-              <a:prstGeom prst="rect">
-                <a:avLst/>
-              </a:prstGeom>
-              <a:noFill/>
-              <a:ln w="9525">
-                <a:noFill/>
-                <a:miter lim="800000"/>
-                <a:headEnd/>
-                <a:tailEnd/>
-              </a:ln>
-            </p:spPr>
-            <p:txBody>
-              <a:bodyPr wrap="square">
-                <a:spAutoFit/>
-              </a:bodyPr>
-              <a:lstStyle/>
-              <a:p>
-                <a:r>
-                  <a:rPr lang="en-SG" sz="1400" dirty="0" err="1"/>
-                  <a:t>cardNum</a:t>
-                </a:r>
-                <a:endParaRPr lang="en-SG" sz="1400" dirty="0"/>
-              </a:p>
-            </p:txBody>
-          </p:sp>
-        </p:grpSp>
-        <p:sp>
-          <p:nvSpPr>
-            <p:cNvPr id="44" name="TextBox 65"/>
-            <p:cNvSpPr txBox="1">
-              <a:spLocks noChangeArrowheads="1"/>
-            </p:cNvSpPr>
-            <p:nvPr/>
-          </p:nvSpPr>
-          <p:spPr bwMode="auto">
-            <a:xfrm>
-              <a:off x="1576193" y="3965494"/>
-              <a:ext cx="1781008" cy="307824"/>
-            </a:xfrm>
-            <a:prstGeom prst="rect">
-              <a:avLst/>
-            </a:prstGeom>
-            <a:noFill/>
-            <a:ln w="9525">
-              <a:noFill/>
-              <a:miter lim="800000"/>
-              <a:headEnd/>
-              <a:tailEnd/>
-            </a:ln>
-          </p:spPr>
-          <p:txBody>
-            <a:bodyPr wrap="square">
-              <a:spAutoFit/>
-            </a:bodyPr>
-            <a:lstStyle/>
-            <a:p>
-              <a:r>
-                <a:rPr lang="en-US" sz="1400" dirty="0"/>
-                <a:t>card</a:t>
-              </a:r>
-              <a:endParaRPr lang="en-SG" sz="1400" dirty="0"/>
-            </a:p>
-          </p:txBody>
-        </p:sp>
-        <p:sp>
-          <p:nvSpPr>
-            <p:cNvPr id="45" name="Rectangle 66"/>
-            <p:cNvSpPr>
-              <a:spLocks noChangeArrowheads="1"/>
-            </p:cNvSpPr>
-            <p:nvPr/>
-          </p:nvSpPr>
-          <p:spPr bwMode="auto">
-            <a:xfrm>
-              <a:off x="1952367" y="4261000"/>
-              <a:ext cx="5387547" cy="1151259"/>
-            </a:xfrm>
-            <a:prstGeom prst="rect">
-              <a:avLst/>
-            </a:prstGeom>
-            <a:noFill/>
-            <a:ln w="12700" cap="sq" algn="ctr">
-              <a:solidFill>
-                <a:schemeClr val="tx1"/>
-              </a:solidFill>
-              <a:round/>
-              <a:headEnd type="none" w="sm" len="sm"/>
-              <a:tailEnd type="none" w="sm" len="sm"/>
-            </a:ln>
-          </p:spPr>
-          <p:txBody>
-            <a:bodyPr/>
-            <a:lstStyle/>
-            <a:p>
-              <a:endParaRPr lang="en-SG"/>
-            </a:p>
-          </p:txBody>
-        </p:sp>
-        <p:grpSp>
-          <p:nvGrpSpPr>
-            <p:cNvPr id="73" name="Group 46"/>
-            <p:cNvGrpSpPr>
-              <a:grpSpLocks/>
-            </p:cNvGrpSpPr>
-            <p:nvPr/>
-          </p:nvGrpSpPr>
-          <p:grpSpPr bwMode="auto">
-            <a:xfrm>
-              <a:off x="3900991" y="4314914"/>
-              <a:ext cx="3172886" cy="983689"/>
-              <a:chOff x="3653856" y="5575303"/>
-              <a:chExt cx="3172886" cy="983689"/>
-            </a:xfrm>
-          </p:grpSpPr>
-          <p:sp>
-            <p:nvSpPr>
-              <p:cNvPr id="74" name="Rectangle 73"/>
-              <p:cNvSpPr/>
-              <p:nvPr/>
-            </p:nvSpPr>
-            <p:spPr bwMode="auto">
-              <a:xfrm>
-                <a:off x="6102421" y="6131227"/>
-                <a:ext cx="495179" cy="333425"/>
-              </a:xfrm>
-              <a:prstGeom prst="rect">
-                <a:avLst/>
-              </a:prstGeom>
-              <a:noFill/>
-              <a:ln w="12700" cap="sq" cmpd="sng" algn="ctr">
-                <a:solidFill>
-                  <a:schemeClr val="tx1"/>
-                </a:solidFill>
-                <a:prstDash val="solid"/>
-                <a:round/>
-                <a:headEnd type="none" w="sm" len="sm"/>
-                <a:tailEnd type="none" w="sm" len="sm"/>
-              </a:ln>
-              <a:effectLst/>
-            </p:spPr>
-            <p:txBody>
-              <a:bodyPr/>
-              <a:lstStyle/>
-              <a:p>
-                <a:pPr>
-                  <a:defRPr/>
-                </a:pPr>
-                <a:endParaRPr lang="en-SG">
-                  <a:latin typeface="Arial" charset="0"/>
-                  <a:cs typeface="Arial" charset="0"/>
-                </a:endParaRPr>
-              </a:p>
-            </p:txBody>
-          </p:sp>
-          <p:sp>
-            <p:nvSpPr>
-              <p:cNvPr id="75" name="TextBox 46"/>
-              <p:cNvSpPr txBox="1">
-                <a:spLocks noChangeArrowheads="1"/>
-              </p:cNvSpPr>
-              <p:nvPr/>
-            </p:nvSpPr>
-            <p:spPr bwMode="auto">
-              <a:xfrm>
-                <a:off x="4230395" y="5858986"/>
-                <a:ext cx="494006" cy="307685"/>
-              </a:xfrm>
-              <a:prstGeom prst="rect">
-                <a:avLst/>
-              </a:prstGeom>
-              <a:noFill/>
-              <a:ln w="9525">
-                <a:noFill/>
-                <a:miter lim="800000"/>
-                <a:headEnd/>
-                <a:tailEnd/>
-              </a:ln>
-            </p:spPr>
-            <p:txBody>
-              <a:bodyPr>
-                <a:spAutoFit/>
-              </a:bodyPr>
-              <a:lstStyle/>
-              <a:p>
-                <a:r>
-                  <a:rPr lang="en-US" sz="1400"/>
-                  <a:t>day</a:t>
-                </a:r>
-                <a:endParaRPr lang="en-SG" sz="1400"/>
-              </a:p>
-            </p:txBody>
-          </p:sp>
-          <p:sp>
-            <p:nvSpPr>
-              <p:cNvPr id="76" name="TextBox 55"/>
-              <p:cNvSpPr txBox="1">
-                <a:spLocks noChangeArrowheads="1"/>
-              </p:cNvSpPr>
-              <p:nvPr/>
-            </p:nvSpPr>
-            <p:spPr bwMode="auto">
-              <a:xfrm>
-                <a:off x="5967900" y="5858986"/>
-                <a:ext cx="597658" cy="307685"/>
-              </a:xfrm>
-              <a:prstGeom prst="rect">
-                <a:avLst/>
-              </a:prstGeom>
-              <a:noFill/>
-              <a:ln w="9525">
-                <a:noFill/>
-                <a:miter lim="800000"/>
-                <a:headEnd/>
-                <a:tailEnd/>
-              </a:ln>
-            </p:spPr>
-            <p:txBody>
-              <a:bodyPr>
-                <a:spAutoFit/>
-              </a:bodyPr>
-              <a:lstStyle/>
-              <a:p>
-                <a:r>
-                  <a:rPr lang="en-US" sz="1400"/>
-                  <a:t>year</a:t>
-                </a:r>
-                <a:endParaRPr lang="en-SG" sz="1400"/>
-              </a:p>
-            </p:txBody>
-          </p:sp>
-          <p:sp>
-            <p:nvSpPr>
-              <p:cNvPr id="77" name="TextBox 57"/>
-              <p:cNvSpPr txBox="1">
-                <a:spLocks noChangeArrowheads="1"/>
-              </p:cNvSpPr>
-              <p:nvPr/>
-            </p:nvSpPr>
-            <p:spPr bwMode="auto">
-              <a:xfrm>
-                <a:off x="3653856" y="5575303"/>
-                <a:ext cx="1313560" cy="307777"/>
-              </a:xfrm>
-              <a:prstGeom prst="rect">
-                <a:avLst/>
-              </a:prstGeom>
-              <a:noFill/>
-              <a:ln w="9525">
-                <a:noFill/>
-                <a:miter lim="800000"/>
-                <a:headEnd/>
-                <a:tailEnd/>
-              </a:ln>
-            </p:spPr>
-            <p:txBody>
-              <a:bodyPr>
-                <a:spAutoFit/>
-              </a:bodyPr>
-              <a:lstStyle/>
-              <a:p>
-                <a:r>
-                  <a:rPr lang="en-US" sz="1400" dirty="0" err="1"/>
-                  <a:t>expiryDate</a:t>
-                </a:r>
-                <a:endParaRPr lang="en-SG" sz="1400" dirty="0"/>
-              </a:p>
-            </p:txBody>
-          </p:sp>
-          <p:sp>
-            <p:nvSpPr>
-              <p:cNvPr id="78" name="Rectangle 58"/>
-              <p:cNvSpPr>
-                <a:spLocks noChangeArrowheads="1"/>
-              </p:cNvSpPr>
-              <p:nvPr/>
-            </p:nvSpPr>
-            <p:spPr bwMode="auto">
-              <a:xfrm>
-                <a:off x="4103537" y="5861221"/>
-                <a:ext cx="2723205" cy="697771"/>
-              </a:xfrm>
-              <a:prstGeom prst="rect">
-                <a:avLst/>
-              </a:prstGeom>
-              <a:noFill/>
-              <a:ln w="12700" cap="sq" algn="ctr">
-                <a:solidFill>
-                  <a:schemeClr val="tx1"/>
-                </a:solidFill>
-                <a:round/>
-                <a:headEnd type="none" w="sm" len="sm"/>
-                <a:tailEnd type="none" w="sm" len="sm"/>
-              </a:ln>
-            </p:spPr>
-            <p:txBody>
-              <a:bodyPr/>
-              <a:lstStyle/>
-              <a:p>
-                <a:endParaRPr lang="en-SG"/>
-              </a:p>
-            </p:txBody>
-          </p:sp>
-          <p:sp>
-            <p:nvSpPr>
-              <p:cNvPr id="79" name="Rectangle 78"/>
-              <p:cNvSpPr/>
-              <p:nvPr/>
-            </p:nvSpPr>
-            <p:spPr bwMode="auto">
-              <a:xfrm>
-                <a:off x="4340727" y="6131227"/>
-                <a:ext cx="495179" cy="333425"/>
-              </a:xfrm>
-              <a:prstGeom prst="rect">
-                <a:avLst/>
-              </a:prstGeom>
-              <a:noFill/>
-              <a:ln w="12700" cap="sq" cmpd="sng" algn="ctr">
-                <a:solidFill>
-                  <a:schemeClr val="tx1"/>
-                </a:solidFill>
-                <a:prstDash val="solid"/>
-                <a:round/>
-                <a:headEnd type="none" w="sm" len="sm"/>
-                <a:tailEnd type="none" w="sm" len="sm"/>
-              </a:ln>
-              <a:effectLst/>
-            </p:spPr>
-            <p:txBody>
-              <a:bodyPr/>
-              <a:lstStyle/>
-              <a:p>
-                <a:pPr>
-                  <a:defRPr/>
-                </a:pPr>
-                <a:endParaRPr lang="en-SG">
-                  <a:latin typeface="Arial" charset="0"/>
-                  <a:cs typeface="Arial" charset="0"/>
-                </a:endParaRPr>
-              </a:p>
-            </p:txBody>
-          </p:sp>
-          <p:sp>
-            <p:nvSpPr>
-              <p:cNvPr id="80" name="Rectangle 79"/>
-              <p:cNvSpPr/>
-              <p:nvPr/>
-            </p:nvSpPr>
-            <p:spPr bwMode="auto">
-              <a:xfrm>
-                <a:off x="5254903" y="6131227"/>
-                <a:ext cx="495179" cy="333425"/>
-              </a:xfrm>
-              <a:prstGeom prst="rect">
-                <a:avLst/>
-              </a:prstGeom>
-              <a:noFill/>
-              <a:ln w="12700" cap="sq" cmpd="sng" algn="ctr">
-                <a:solidFill>
-                  <a:schemeClr val="tx1"/>
-                </a:solidFill>
-                <a:prstDash val="solid"/>
-                <a:round/>
-                <a:headEnd type="none" w="sm" len="sm"/>
-                <a:tailEnd type="none" w="sm" len="sm"/>
-              </a:ln>
-              <a:effectLst/>
-            </p:spPr>
-            <p:txBody>
-              <a:bodyPr/>
-              <a:lstStyle/>
-              <a:p>
-                <a:pPr>
-                  <a:defRPr/>
-                </a:pPr>
-                <a:endParaRPr lang="en-SG">
-                  <a:latin typeface="Arial" charset="0"/>
-                  <a:cs typeface="Arial" charset="0"/>
-                </a:endParaRPr>
-              </a:p>
-            </p:txBody>
-          </p:sp>
-          <p:sp>
-            <p:nvSpPr>
-              <p:cNvPr id="81" name="TextBox 46"/>
-              <p:cNvSpPr txBox="1">
-                <a:spLocks noChangeArrowheads="1"/>
-              </p:cNvSpPr>
-              <p:nvPr/>
-            </p:nvSpPr>
-            <p:spPr bwMode="auto">
-              <a:xfrm>
-                <a:off x="5012989" y="5858986"/>
-                <a:ext cx="737021" cy="307685"/>
-              </a:xfrm>
-              <a:prstGeom prst="rect">
-                <a:avLst/>
-              </a:prstGeom>
-              <a:noFill/>
-              <a:ln w="9525">
-                <a:noFill/>
-                <a:miter lim="800000"/>
-                <a:headEnd/>
-                <a:tailEnd/>
-              </a:ln>
-            </p:spPr>
-            <p:txBody>
-              <a:bodyPr>
-                <a:spAutoFit/>
-              </a:bodyPr>
-              <a:lstStyle/>
-              <a:p>
-                <a:r>
-                  <a:rPr lang="en-US" sz="1400"/>
-                  <a:t>month</a:t>
-                </a:r>
-                <a:endParaRPr lang="en-SG" sz="1400"/>
-              </a:p>
-            </p:txBody>
-          </p:sp>
-        </p:grpSp>
-      </p:grpSp>
-    </p:spTree>
-    <p:extLst>
-      <p:ext uri="{BB962C8B-B14F-4D97-AF65-F5344CB8AC3E}">
-        <p14:creationId xmlns:p14="http://schemas.microsoft.com/office/powerpoint/2010/main" val="83552886"/>
-      </p:ext>
-    </p:extLst>
-  </p:cSld>
-  <p:clrMapOvr>
-    <a:masterClrMapping/>
-  </p:clrMapOvr>
-  <p:transition>
-    <p:fade/>
-  </p:transition>
-  <p:timing>
-    <p:tnLst>
-      <p:par>
-        <p:cTn id="1" dur="indefinite" restart="never" nodeType="tmRoot">
-          <p:childTnLst>
-            <p:seq concurrent="1" nextAc="seek">
-              <p:cTn id="2" dur="indefinite" nodeType="mainSeq">
-                <p:childTnLst>
-                  <p:par>
-                    <p:cTn id="3" fill="hold">
-                      <p:stCondLst>
-                        <p:cond delay="indefinite"/>
-                        <p:cond evt="onBegin" delay="0">
-                          <p:tn val="2"/>
-                        </p:cond>
-                      </p:stCondLst>
-                      <p:childTnLst>
-                        <p:par>
-                          <p:cTn id="4" fill="hold">
-                            <p:stCondLst>
-                              <p:cond delay="0"/>
-                            </p:stCondLst>
-                            <p:childTnLst>
-                              <p:par>
-                                <p:cTn id="5" presetID="9" presetClass="entr" presetSubtype="0" fill="hold" nodeType="afterEffect">
-                                  <p:stCondLst>
-                                    <p:cond delay="0"/>
-                                  </p:stCondLst>
-                                  <p:childTnLst>
-                                    <p:set>
-                                      <p:cBhvr>
-                                        <p:cTn id="6" dur="1" fill="hold">
-                                          <p:stCondLst>
-                                            <p:cond delay="0"/>
-                                          </p:stCondLst>
-                                        </p:cTn>
-                                        <p:tgtEl>
-                                          <p:spTgt spid="33"/>
-                                        </p:tgtEl>
-                                        <p:attrNameLst>
-                                          <p:attrName>style.visibility</p:attrName>
-                                        </p:attrNameLst>
-                                      </p:cBhvr>
-                                      <p:to>
-                                        <p:strVal val="visible"/>
-                                      </p:to>
-                                    </p:set>
-                                    <p:animEffect transition="in" filter="dissolve">
-                                      <p:cBhvr>
-                                        <p:cTn id="7" dur="500"/>
-                                        <p:tgtEl>
-                                          <p:spTgt spid="33"/>
-                                        </p:tgtEl>
-                                      </p:cBhvr>
-                                    </p:animEffect>
-                                  </p:childTnLst>
-                                </p:cTn>
-                              </p:par>
-                            </p:childTnLst>
-                          </p:cTn>
-                        </p:par>
-                        <p:par>
-                          <p:cTn id="8" fill="hold">
-                            <p:stCondLst>
-                              <p:cond delay="500"/>
-                            </p:stCondLst>
-                            <p:childTnLst>
-                              <p:par>
-                                <p:cTn id="9" presetID="9" presetClass="entr" presetSubtype="0" fill="hold" nodeType="afterEffect">
-                                  <p:stCondLst>
-                                    <p:cond delay="0"/>
-                                  </p:stCondLst>
-                                  <p:childTnLst>
-                                    <p:set>
-                                      <p:cBhvr>
-                                        <p:cTn id="10" dur="1" fill="hold">
-                                          <p:stCondLst>
-                                            <p:cond delay="0"/>
-                                          </p:stCondLst>
-                                        </p:cTn>
-                                        <p:tgtEl>
-                                          <p:spTgt spid="42"/>
-                                        </p:tgtEl>
-                                        <p:attrNameLst>
-                                          <p:attrName>style.visibility</p:attrName>
-                                        </p:attrNameLst>
-                                      </p:cBhvr>
-                                      <p:to>
-                                        <p:strVal val="visible"/>
-                                      </p:to>
-                                    </p:set>
-                                    <p:animEffect transition="in" filter="dissolve">
-                                      <p:cBhvr>
-                                        <p:cTn id="11" dur="500"/>
-                                        <p:tgtEl>
-                                          <p:spTgt spid="42"/>
-                                        </p:tgtEl>
-                                      </p:cBhvr>
-                                    </p:animEffect>
-                                  </p:childTnLst>
-                                </p:cTn>
-                              </p:par>
-                            </p:childTnLst>
-                          </p:cTn>
-                        </p:par>
-                      </p:childTnLst>
-                    </p:cTn>
-                  </p:par>
-                </p:childTnLst>
-              </p:cTn>
-              <p:prevCondLst>
-                <p:cond evt="onPrev" delay="0">
-                  <p:tgtEl>
-                    <p:sldTgt/>
-                  </p:tgtEl>
-                </p:cond>
-              </p:prevCondLst>
-              <p:nextCondLst>
-                <p:cond evt="onNext" delay="0">
-                  <p:tgtEl>
-                    <p:sldTgt/>
-                  </p:tgtEl>
-                </p:cond>
-              </p:nextCondLst>
-            </p:seq>
-          </p:childTnLst>
-        </p:cTn>
-      </p:par>
-    </p:tnLst>
-  </p:timing>
-</p:sld>
-</file>
-
-<file path=ppt/slides/slide6.xml><?xml version="1.0" encoding="utf-8"?>
-<p:sld xmlns:a="http://schemas.openxmlformats.org/drawingml/2006/main" xmlns:r="http://schemas.openxmlformats.org/officeDocument/2006/relationships" xmlns:p="http://schemas.openxmlformats.org/presentationml/2006/main">
-  <p:cSld>
-    <p:spTree>
-      <p:nvGrpSpPr>
-        <p:cNvPr id="1" name=""/>
-        <p:cNvGrpSpPr/>
-        <p:nvPr/>
-      </p:nvGrpSpPr>
-      <p:grpSpPr>
-        <a:xfrm>
-          <a:off x="0" y="0"/>
-          <a:ext cx="0" cy="0"/>
-          <a:chOff x="0" y="0"/>
-          <a:chExt cx="0" cy="0"/>
-        </a:xfrm>
-      </p:grpSpPr>
-      <p:sp>
-        <p:nvSpPr>
-          <p:cNvPr id="14338" name="Rectangle 2"/>
-          <p:cNvSpPr>
-            <a:spLocks noGrp="1" noChangeArrowheads="1"/>
-          </p:cNvSpPr>
-          <p:nvPr>
-            <p:ph type="title"/>
-          </p:nvPr>
-        </p:nvSpPr>
-        <p:spPr>
-          <a:xfrm>
-            <a:off x="533400" y="381000"/>
-            <a:ext cx="8382000" cy="838200"/>
-          </a:xfrm>
-        </p:spPr>
-        <p:txBody>
-          <a:bodyPr>
-            <a:normAutofit/>
-          </a:bodyPr>
-          <a:lstStyle/>
-          <a:p>
-            <a:pPr eaLnBrk="1" hangingPunct="1"/>
-            <a:r>
-              <a:rPr lang="en-GB" sz="3600" dirty="0">
-                <a:solidFill>
-                  <a:srgbClr val="0000FF"/>
-                </a:solidFill>
-              </a:rPr>
-              <a:t>Structure Types</a:t>
-            </a:r>
-          </a:p>
-        </p:txBody>
-      </p:sp>
-      <p:sp>
-        <p:nvSpPr>
-          <p:cNvPr id="7" name="Slide Number Placeholder 6"/>
-          <p:cNvSpPr>
-            <a:spLocks noGrp="1"/>
-          </p:cNvSpPr>
-          <p:nvPr>
-            <p:ph type="sldNum" sz="quarter" idx="12"/>
-          </p:nvPr>
-        </p:nvSpPr>
-        <p:spPr/>
-        <p:txBody>
-          <a:bodyPr>
-            <a:normAutofit/>
-          </a:bodyPr>
-          <a:lstStyle/>
-          <a:p>
-            <a:pPr>
-              <a:defRPr/>
-            </a:pPr>
-            <a:r>
-              <a:rPr lang="en-US" sz="1200" dirty="0"/>
-              <a:t>Unit28</a:t>
-            </a:r>
-            <a:r>
-              <a:rPr sz="1200" dirty="0"/>
-              <a:t> </a:t>
-            </a:r>
-            <a:r>
-              <a:rPr lang="en-US" sz="1200" dirty="0"/>
-              <a:t>-</a:t>
-            </a:r>
-            <a:r>
-              <a:rPr sz="1200" dirty="0"/>
-              <a:t> </a:t>
-            </a:r>
-            <a:fld id="{F7EC234A-9094-4BB8-9EA4-75ECDA8A365B}" type="slidenum">
-              <a:rPr sz="1200" smtClean="0"/>
-              <a:pPr>
-                <a:defRPr/>
-              </a:pPr>
-              <a:t>6</a:t>
             </a:fld>
             <a:endParaRPr sz="1200" dirty="0"/>
           </a:p>
@@ -23773,7 +20952,7 @@
                   <a:srgbClr val="0000FF"/>
                 </a:solidFill>
               </a:rPr>
-              <a:t>structure type</a:t>
+              <a:t>structure</a:t>
             </a:r>
             <a:endParaRPr lang="en-SG" dirty="0"/>
           </a:p>
@@ -23795,7 +20974,7 @@
             </a:pPr>
             <a:r>
               <a:rPr lang="en-US" dirty="0"/>
-              <a:t>Examples of structure types:</a:t>
+              <a:t>Examples of structures:</a:t>
             </a:r>
           </a:p>
         </p:txBody>
@@ -24396,7 +21575,7 @@
                 <a:latin typeface="Courier New" pitchFamily="49" charset="0"/>
                 <a:cs typeface="Arial" charset="0"/>
               </a:rPr>
-              <a:t>long</a:t>
+              <a:t>char</a:t>
             </a:r>
             <a:r>
               <a:rPr lang="en-US" sz="2000" b="1" dirty="0">
@@ -24406,7 +21585,7 @@
                 <a:latin typeface="Courier New" pitchFamily="49" charset="0"/>
                 <a:cs typeface="Arial" charset="0"/>
               </a:rPr>
-              <a:t> </a:t>
+              <a:t> *</a:t>
             </a:r>
             <a:r>
               <a:rPr lang="en-US" sz="2000" b="1" dirty="0" err="1">
@@ -25229,7 +22408,7 @@
 </p:sld>
 </file>
 
-<file path=ppt/slides/slide7.xml><?xml version="1.0" encoding="utf-8"?>
+<file path=ppt/slides/slide6.xml><?xml version="1.0" encoding="utf-8"?>
 <p:sld xmlns:a="http://schemas.openxmlformats.org/drawingml/2006/main" xmlns:r="http://schemas.openxmlformats.org/officeDocument/2006/relationships" xmlns:p="http://schemas.openxmlformats.org/presentationml/2006/main">
   <p:cSld>
     <p:spTree>
@@ -25275,7 +22454,7 @@
                   <a:srgbClr val="0000FF"/>
                 </a:solidFill>
               </a:rPr>
-              <a:t>Structure Types</a:t>
+              <a:t>Structure</a:t>
             </a:r>
           </a:p>
         </p:txBody>
@@ -25321,7 +22500,7 @@
               <a:pPr>
                 <a:defRPr/>
               </a:pPr>
-              <a:t>7</a:t>
+              <a:t>6</a:t>
             </a:fld>
             <a:endParaRPr sz="1200" dirty="0"/>
           </a:p>
@@ -25401,7 +22580,7 @@
             </a:pPr>
             <a:r>
               <a:rPr lang="en-US" sz="2400" dirty="0"/>
-              <a:t>A type is </a:t>
+              <a:t>A structure is </a:t>
             </a:r>
             <a:r>
               <a:rPr lang="en-US" sz="2400" u="sng" dirty="0">
@@ -25422,8 +22601,9 @@
                 <a:spcPts val="600"/>
               </a:spcBef>
               <a:buClr>
-                <a:schemeClr val="bg1">
-                  <a:lumMod val="50000"/>
+                <a:schemeClr val="tx1">
+                  <a:lumMod val="90000"/>
+                  <a:lumOff val="10000"/>
                 </a:schemeClr>
               </a:buClr>
               <a:buSzPct val="100000"/>
@@ -25432,8 +22612,12 @@
             </a:pPr>
             <a:r>
               <a:rPr lang="en-US" sz="2000" dirty="0"/>
-              <a:t>what are the differences between a type and a variable?</a:t>
-            </a:r>
+              <a:t>It is just a compound data type.</a:t>
+            </a:r>
+            <a:br>
+              <a:rPr lang="en-US" sz="2000" dirty="0"/>
+            </a:br>
+            <a:endParaRPr lang="en-US" sz="1200" dirty="0"/>
           </a:p>
           <a:p>
             <a:pPr marL="342900" indent="-342900">
@@ -25871,7 +23055,7 @@
 </p:sld>
 </file>
 
-<file path=ppt/slides/slide8.xml><?xml version="1.0" encoding="utf-8"?>
+<file path=ppt/slides/slide7.xml><?xml version="1.0" encoding="utf-8"?>
 <p:sld xmlns:a="http://schemas.openxmlformats.org/drawingml/2006/main" xmlns:r="http://schemas.openxmlformats.org/officeDocument/2006/relationships" xmlns:p="http://schemas.openxmlformats.org/presentationml/2006/main">
   <p:cSld>
     <p:spTree>
@@ -25963,7 +23147,7 @@
               <a:pPr>
                 <a:defRPr/>
               </a:pPr>
-              <a:t>8</a:t>
+              <a:t>7</a:t>
             </a:fld>
             <a:endParaRPr sz="1200" dirty="0"/>
           </a:p>
@@ -26516,144 +23700,10 @@
   <p:transition>
     <p:fade/>
   </p:transition>
-  <p:timing>
-    <p:tnLst>
-      <p:par>
-        <p:cTn id="1" dur="indefinite" restart="never" nodeType="tmRoot">
-          <p:childTnLst>
-            <p:seq concurrent="1" nextAc="seek">
-              <p:cTn id="2" dur="indefinite" nodeType="mainSeq">
-                <p:childTnLst>
-                  <p:par>
-                    <p:cTn id="3" fill="hold">
-                      <p:stCondLst>
-                        <p:cond delay="indefinite"/>
-                        <p:cond evt="onBegin" delay="0">
-                          <p:tn val="2"/>
-                        </p:cond>
-                      </p:stCondLst>
-                      <p:childTnLst>
-                        <p:par>
-                          <p:cTn id="4" fill="hold">
-                            <p:stCondLst>
-                              <p:cond delay="0"/>
-                            </p:stCondLst>
-                            <p:childTnLst>
-                              <p:par>
-                                <p:cTn id="5" presetID="9" presetClass="entr" presetSubtype="0" fill="hold" grpId="0" nodeType="afterEffect">
-                                  <p:stCondLst>
-                                    <p:cond delay="0"/>
-                                  </p:stCondLst>
-                                  <p:childTnLst>
-                                    <p:set>
-                                      <p:cBhvr>
-                                        <p:cTn id="6" dur="1" fill="hold">
-                                          <p:stCondLst>
-                                            <p:cond delay="0"/>
-                                          </p:stCondLst>
-                                        </p:cTn>
-                                        <p:tgtEl>
-                                          <p:spTgt spid="17"/>
-                                        </p:tgtEl>
-                                        <p:attrNameLst>
-                                          <p:attrName>style.visibility</p:attrName>
-                                        </p:attrNameLst>
-                                      </p:cBhvr>
-                                      <p:to>
-                                        <p:strVal val="visible"/>
-                                      </p:to>
-                                    </p:set>
-                                    <p:animEffect transition="in" filter="dissolve">
-                                      <p:cBhvr>
-                                        <p:cTn id="7" dur="500"/>
-                                        <p:tgtEl>
-                                          <p:spTgt spid="17"/>
-                                        </p:tgtEl>
-                                      </p:cBhvr>
-                                    </p:animEffect>
-                                  </p:childTnLst>
-                                </p:cTn>
-                              </p:par>
-                            </p:childTnLst>
-                          </p:cTn>
-                        </p:par>
-                        <p:par>
-                          <p:cTn id="8" fill="hold">
-                            <p:stCondLst>
-                              <p:cond delay="500"/>
-                            </p:stCondLst>
-                            <p:childTnLst>
-                              <p:par>
-                                <p:cTn id="9" presetID="9" presetClass="entr" presetSubtype="0" fill="hold" grpId="0" nodeType="afterEffect">
-                                  <p:stCondLst>
-                                    <p:cond delay="0"/>
-                                  </p:stCondLst>
-                                  <p:childTnLst>
-                                    <p:set>
-                                      <p:cBhvr>
-                                        <p:cTn id="10" dur="1" fill="hold">
-                                          <p:stCondLst>
-                                            <p:cond delay="0"/>
-                                          </p:stCondLst>
-                                        </p:cTn>
-                                        <p:tgtEl>
-                                          <p:spTgt spid="14"/>
-                                        </p:tgtEl>
-                                        <p:attrNameLst>
-                                          <p:attrName>style.visibility</p:attrName>
-                                        </p:attrNameLst>
-                                      </p:cBhvr>
-                                      <p:to>
-                                        <p:strVal val="visible"/>
-                                      </p:to>
-                                    </p:set>
-                                    <p:animEffect transition="in" filter="dissolve">
-                                      <p:cBhvr>
-                                        <p:cTn id="11" dur="500"/>
-                                        <p:tgtEl>
-                                          <p:spTgt spid="14"/>
-                                        </p:tgtEl>
-                                      </p:cBhvr>
-                                    </p:animEffect>
-                                  </p:childTnLst>
-                                </p:cTn>
-                              </p:par>
-                            </p:childTnLst>
-                          </p:cTn>
-                        </p:par>
-                      </p:childTnLst>
-                    </p:cTn>
-                  </p:par>
-                </p:childTnLst>
-              </p:cTn>
-              <p:prevCondLst>
-                <p:cond evt="onPrev" delay="0">
-                  <p:tgtEl>
-                    <p:sldTgt/>
-                  </p:tgtEl>
-                </p:cond>
-              </p:prevCondLst>
-              <p:nextCondLst>
-                <p:cond evt="onNext" delay="0">
-                  <p:tgtEl>
-                    <p:sldTgt/>
-                  </p:tgtEl>
-                </p:cond>
-              </p:nextCondLst>
-            </p:seq>
-          </p:childTnLst>
-        </p:cTn>
-      </p:par>
-    </p:tnLst>
-    <p:bldLst>
-      <p:bldP spid="17" grpId="0" animBg="1"/>
-      <p:bldP spid="14" grpId="0" animBg="1"/>
-    </p:bldLst>
-  </p:timing>
 </p:sld>
 </file>
 
-<file path=ppt/slides/slide9.xml><?xml version="1.0" encoding="utf-8"?>
+<file path=ppt/slides/slide8.xml><?xml version="1.0" encoding="utf-8"?>
 <p:sld xmlns:a="http://schemas.openxmlformats.org/drawingml/2006/main" xmlns:r="http://schemas.openxmlformats.org/officeDocument/2006/relationships" xmlns:p="http://schemas.openxmlformats.org/presentationml/2006/main">
   <p:cSld>
     <p:spTree>
@@ -26745,7 +23795,7 @@
               <a:pPr>
                 <a:defRPr/>
               </a:pPr>
-              <a:t>9</a:t>
+              <a:t>8</a:t>
             </a:fld>
             <a:endParaRPr sz="1200" dirty="0"/>
           </a:p>
@@ -27338,6 +24388,950 @@
   <p:transition>
     <p:fade/>
   </p:transition>
+</p:sld>
+</file>
+
+<file path=ppt/slides/slide9.xml><?xml version="1.0" encoding="utf-8"?>
+<p:sld xmlns:a="http://schemas.openxmlformats.org/drawingml/2006/main" xmlns:r="http://schemas.openxmlformats.org/officeDocument/2006/relationships" xmlns:p="http://schemas.openxmlformats.org/presentationml/2006/main">
+  <p:cSld>
+    <p:spTree>
+      <p:nvGrpSpPr>
+        <p:cNvPr id="1" name=""/>
+        <p:cNvGrpSpPr/>
+        <p:nvPr/>
+      </p:nvGrpSpPr>
+      <p:grpSpPr>
+        <a:xfrm>
+          <a:off x="0" y="0"/>
+          <a:ext cx="0" cy="0"/>
+          <a:chOff x="0" y="0"/>
+          <a:chExt cx="0" cy="0"/>
+        </a:xfrm>
+      </p:grpSpPr>
+      <p:sp>
+        <p:nvSpPr>
+          <p:cNvPr id="14338" name="Rectangle 2"/>
+          <p:cNvSpPr>
+            <a:spLocks noGrp="1" noChangeArrowheads="1"/>
+          </p:cNvSpPr>
+          <p:nvPr>
+            <p:ph type="title"/>
+          </p:nvPr>
+        </p:nvSpPr>
+        <p:spPr>
+          <a:xfrm>
+            <a:off x="533400" y="381000"/>
+            <a:ext cx="8382000" cy="838200"/>
+          </a:xfrm>
+        </p:spPr>
+        <p:txBody>
+          <a:bodyPr>
+            <a:normAutofit/>
+          </a:bodyPr>
+          <a:lstStyle/>
+          <a:p>
+            <a:pPr eaLnBrk="1" hangingPunct="1"/>
+            <a:r>
+              <a:rPr lang="en-GB" sz="3600" dirty="0">
+                <a:solidFill>
+                  <a:srgbClr val="0000FF"/>
+                </a:solidFill>
+              </a:rPr>
+              <a:t>Structures as Parameters</a:t>
+            </a:r>
+          </a:p>
+        </p:txBody>
+      </p:sp>
+      <p:sp>
+        <p:nvSpPr>
+          <p:cNvPr id="7" name="Slide Number Placeholder 6"/>
+          <p:cNvSpPr>
+            <a:spLocks noGrp="1"/>
+          </p:cNvSpPr>
+          <p:nvPr>
+            <p:ph type="sldNum" sz="quarter" idx="12"/>
+          </p:nvPr>
+        </p:nvSpPr>
+        <p:spPr/>
+        <p:txBody>
+          <a:bodyPr>
+            <a:normAutofit/>
+          </a:bodyPr>
+          <a:lstStyle/>
+          <a:p>
+            <a:pPr>
+              <a:defRPr/>
+            </a:pPr>
+            <a:r>
+              <a:rPr lang="en-US" sz="1200" dirty="0"/>
+              <a:t>Unit28</a:t>
+            </a:r>
+            <a:r>
+              <a:rPr sz="1200" dirty="0"/>
+              <a:t> </a:t>
+            </a:r>
+            <a:r>
+              <a:rPr lang="en-US" sz="1200" dirty="0"/>
+              <a:t>-</a:t>
+            </a:r>
+            <a:r>
+              <a:rPr sz="1200" dirty="0"/>
+              <a:t> </a:t>
+            </a:r>
+            <a:fld id="{F7EC234A-9094-4BB8-9EA4-75ECDA8A365B}" type="slidenum">
+              <a:rPr sz="1200" smtClean="0"/>
+              <a:pPr>
+                <a:defRPr/>
+              </a:pPr>
+              <a:t>9</a:t>
+            </a:fld>
+            <a:endParaRPr sz="1200" dirty="0"/>
+          </a:p>
+        </p:txBody>
+      </p:sp>
+      <p:sp>
+        <p:nvSpPr>
+          <p:cNvPr id="12" name="[Date Placeholder 3]"/>
+          <p:cNvSpPr>
+            <a:spLocks noGrp="1"/>
+          </p:cNvSpPr>
+          <p:nvPr>
+            <p:ph type="dt" sz="half" idx="10"/>
+          </p:nvPr>
+        </p:nvSpPr>
+        <p:spPr>
+          <a:xfrm>
+            <a:off x="457200" y="18288"/>
+            <a:ext cx="2895600" cy="329184"/>
+          </a:xfrm>
+        </p:spPr>
+        <p:txBody>
+          <a:bodyPr/>
+          <a:lstStyle/>
+          <a:p>
+            <a:pPr>
+              <a:defRPr/>
+            </a:pPr>
+            <a:r>
+              <a:rPr lang="en-US" dirty="0"/>
+              <a:t>© NUS</a:t>
+            </a:r>
+          </a:p>
+        </p:txBody>
+      </p:sp>
+      <p:sp>
+        <p:nvSpPr>
+          <p:cNvPr id="11" name="Rectangle 8"/>
+          <p:cNvSpPr>
+            <a:spLocks noChangeArrowheads="1"/>
+          </p:cNvSpPr>
+          <p:nvPr/>
+        </p:nvSpPr>
+        <p:spPr bwMode="auto">
+          <a:xfrm>
+            <a:off x="733425" y="1460501"/>
+            <a:ext cx="8181975" cy="1040606"/>
+          </a:xfrm>
+          <a:prstGeom prst="rect">
+            <a:avLst/>
+          </a:prstGeom>
+          <a:noFill/>
+          <a:ln w="9525">
+            <a:noFill/>
+            <a:miter lim="800000"/>
+            <a:headEnd/>
+            <a:tailEnd/>
+          </a:ln>
+        </p:spPr>
+        <p:txBody>
+          <a:bodyPr/>
+          <a:lstStyle/>
+          <a:p>
+            <a:pPr marL="342900" indent="-342900">
+              <a:spcBef>
+                <a:spcPts val="600"/>
+              </a:spcBef>
+              <a:buClr>
+                <a:schemeClr val="tx1">
+                  <a:lumMod val="90000"/>
+                  <a:lumOff val="10000"/>
+                </a:schemeClr>
+              </a:buClr>
+              <a:buSzPct val="100000"/>
+              <a:buFont typeface="Wingdings" panose="05000000000000000000" pitchFamily="2" charset="2"/>
+              <a:buChar char="§"/>
+            </a:pPr>
+            <a:r>
+              <a:rPr lang="en-US" sz="2400" dirty="0"/>
+              <a:t>Call by value</a:t>
+            </a:r>
+          </a:p>
+          <a:p>
+            <a:pPr marL="800100" lvl="1" indent="-342900">
+              <a:spcBef>
+                <a:spcPts val="600"/>
+              </a:spcBef>
+              <a:buClr>
+                <a:schemeClr val="tx1">
+                  <a:lumMod val="90000"/>
+                  <a:lumOff val="10000"/>
+                </a:schemeClr>
+              </a:buClr>
+              <a:buSzPct val="100000"/>
+              <a:buFont typeface="Wingdings" panose="05000000000000000000" pitchFamily="2" charset="2"/>
+              <a:buChar char="§"/>
+            </a:pPr>
+            <a:endParaRPr lang="en-US" sz="2400" dirty="0"/>
+          </a:p>
+          <a:p>
+            <a:pPr marL="800100" lvl="1" indent="-342900">
+              <a:spcBef>
+                <a:spcPts val="600"/>
+              </a:spcBef>
+              <a:buClr>
+                <a:schemeClr val="tx1">
+                  <a:lumMod val="90000"/>
+                  <a:lumOff val="10000"/>
+                </a:schemeClr>
+              </a:buClr>
+              <a:buSzPct val="100000"/>
+              <a:buFont typeface="Wingdings" panose="05000000000000000000" pitchFamily="2" charset="2"/>
+              <a:buChar char="§"/>
+            </a:pPr>
+            <a:endParaRPr lang="en-US" sz="2400" dirty="0"/>
+          </a:p>
+          <a:p>
+            <a:pPr marL="800100" lvl="1" indent="-342900">
+              <a:spcBef>
+                <a:spcPts val="600"/>
+              </a:spcBef>
+              <a:buClr>
+                <a:schemeClr val="tx1">
+                  <a:lumMod val="90000"/>
+                  <a:lumOff val="10000"/>
+                </a:schemeClr>
+              </a:buClr>
+              <a:buSzPct val="100000"/>
+              <a:buFont typeface="Wingdings" panose="05000000000000000000" pitchFamily="2" charset="2"/>
+              <a:buChar char="§"/>
+            </a:pPr>
+            <a:endParaRPr lang="en-US" sz="2400" dirty="0"/>
+          </a:p>
+          <a:p>
+            <a:pPr marL="800100" lvl="1" indent="-342900">
+              <a:spcBef>
+                <a:spcPts val="600"/>
+              </a:spcBef>
+              <a:buClr>
+                <a:schemeClr val="tx1">
+                  <a:lumMod val="90000"/>
+                  <a:lumOff val="10000"/>
+                </a:schemeClr>
+              </a:buClr>
+              <a:buSzPct val="100000"/>
+              <a:buFont typeface="Wingdings" panose="05000000000000000000" pitchFamily="2" charset="2"/>
+              <a:buChar char="§"/>
+            </a:pPr>
+            <a:endParaRPr lang="en-US" sz="1600" dirty="0"/>
+          </a:p>
+          <a:p>
+            <a:pPr marL="342900" indent="-342900">
+              <a:spcBef>
+                <a:spcPts val="600"/>
+              </a:spcBef>
+              <a:buClr>
+                <a:schemeClr val="tx1">
+                  <a:lumMod val="90000"/>
+                  <a:lumOff val="10000"/>
+                </a:schemeClr>
+              </a:buClr>
+              <a:buSzPct val="100000"/>
+              <a:buFont typeface="Wingdings" panose="05000000000000000000" pitchFamily="2" charset="2"/>
+              <a:buChar char="§"/>
+            </a:pPr>
+            <a:r>
+              <a:rPr lang="en-US" sz="2400" dirty="0"/>
+              <a:t>Call by reference (recommended)</a:t>
+            </a:r>
+          </a:p>
+        </p:txBody>
+      </p:sp>
+      <p:sp>
+        <p:nvSpPr>
+          <p:cNvPr id="15" name="Rectangle 8">
+            <a:extLst>
+              <a:ext uri="{FF2B5EF4-FFF2-40B4-BE49-F238E27FC236}">
+                <a16:creationId xmlns:a16="http://schemas.microsoft.com/office/drawing/2014/main" id="{80A3AA33-A8FF-47C2-A2D5-57D6B362A5A5}"/>
+              </a:ext>
+            </a:extLst>
+          </p:cNvPr>
+          <p:cNvSpPr>
+            <a:spLocks noChangeArrowheads="1"/>
+          </p:cNvSpPr>
+          <p:nvPr/>
+        </p:nvSpPr>
+        <p:spPr bwMode="auto">
+          <a:xfrm>
+            <a:off x="1156424" y="1928252"/>
+            <a:ext cx="6826596" cy="1180066"/>
+          </a:xfrm>
+          <a:prstGeom prst="rect">
+            <a:avLst/>
+          </a:prstGeom>
+          <a:solidFill>
+            <a:schemeClr val="bg1"/>
+          </a:solidFill>
+          <a:ln w="25400" algn="ctr">
+            <a:solidFill>
+              <a:srgbClr val="8A8AB9"/>
+            </a:solidFill>
+            <a:miter lim="800000"/>
+            <a:headEnd/>
+            <a:tailEnd/>
+          </a:ln>
+          <a:effectLst>
+            <a:outerShdw dist="38100" dir="2700000" algn="tl" rotWithShape="0">
+              <a:srgbClr val="808080">
+                <a:alpha val="39998"/>
+              </a:srgbClr>
+            </a:outerShdw>
+          </a:effectLst>
+        </p:spPr>
+        <p:txBody>
+          <a:bodyPr/>
+          <a:lstStyle/>
+          <a:p>
+            <a:pPr marL="342900" indent="-342900">
+              <a:defRPr/>
+            </a:pPr>
+            <a:r>
+              <a:rPr lang="en-US" b="1" dirty="0">
+                <a:solidFill>
+                  <a:srgbClr val="0000FF"/>
+                </a:solidFill>
+                <a:latin typeface="Courier New" pitchFamily="49" charset="0"/>
+              </a:rPr>
+              <a:t>void</a:t>
+            </a:r>
+            <a:r>
+              <a:rPr lang="en-US" b="1" dirty="0">
+                <a:latin typeface="Courier New" pitchFamily="49" charset="0"/>
+              </a:rPr>
+              <a:t> </a:t>
+            </a:r>
+            <a:r>
+              <a:rPr lang="en-US" b="1" dirty="0" err="1">
+                <a:latin typeface="Courier New" pitchFamily="49" charset="0"/>
+              </a:rPr>
+              <a:t>update_mc</a:t>
+            </a:r>
+            <a:r>
+              <a:rPr lang="en-US" b="1" dirty="0">
+                <a:latin typeface="Courier New" pitchFamily="49" charset="0"/>
+              </a:rPr>
+              <a:t>(</a:t>
+            </a:r>
+            <a:r>
+              <a:rPr lang="en-US" b="1" dirty="0">
+                <a:solidFill>
+                  <a:srgbClr val="0000FF"/>
+                </a:solidFill>
+                <a:latin typeface="Courier New" pitchFamily="49" charset="0"/>
+              </a:rPr>
+              <a:t>struct</a:t>
+            </a:r>
+            <a:r>
+              <a:rPr lang="en-US" b="1" dirty="0">
+                <a:latin typeface="Courier New" pitchFamily="49" charset="0"/>
+              </a:rPr>
+              <a:t> </a:t>
+            </a:r>
+            <a:r>
+              <a:rPr lang="en-US" b="1" dirty="0">
+                <a:solidFill>
+                  <a:srgbClr val="7030A0"/>
+                </a:solidFill>
+                <a:latin typeface="Courier New" pitchFamily="49" charset="0"/>
+              </a:rPr>
+              <a:t>module</a:t>
+            </a:r>
+            <a:r>
+              <a:rPr lang="en-US" b="1" dirty="0">
+                <a:latin typeface="Courier New" pitchFamily="49" charset="0"/>
+              </a:rPr>
+              <a:t> cs1010, </a:t>
+            </a:r>
+            <a:br>
+              <a:rPr lang="en-US" b="1" dirty="0">
+                <a:latin typeface="Courier New" pitchFamily="49" charset="0"/>
+              </a:rPr>
+            </a:br>
+            <a:r>
+              <a:rPr lang="en-US" b="1" dirty="0">
+                <a:latin typeface="Courier New" pitchFamily="49" charset="0"/>
+              </a:rPr>
+              <a:t>             </a:t>
+            </a:r>
+            <a:r>
+              <a:rPr lang="en-US" b="1" dirty="0">
+                <a:solidFill>
+                  <a:srgbClr val="0000FF"/>
+                </a:solidFill>
+                <a:latin typeface="Courier New" pitchFamily="49" charset="0"/>
+              </a:rPr>
+              <a:t>long</a:t>
+            </a:r>
+            <a:r>
+              <a:rPr lang="en-US" b="1" dirty="0">
+                <a:latin typeface="Courier New" pitchFamily="49" charset="0"/>
+              </a:rPr>
+              <a:t> </a:t>
+            </a:r>
+            <a:r>
+              <a:rPr lang="en-US" b="1" dirty="0" err="1">
+                <a:latin typeface="Courier New" pitchFamily="49" charset="0"/>
+              </a:rPr>
+              <a:t>hours_spent_per_week</a:t>
+            </a:r>
+            <a:r>
+              <a:rPr lang="en-US" b="1" dirty="0">
+                <a:latin typeface="Courier New" pitchFamily="49" charset="0"/>
+              </a:rPr>
+              <a:t>) {</a:t>
+            </a:r>
+          </a:p>
+          <a:p>
+            <a:pPr marL="342900" indent="-342900">
+              <a:defRPr/>
+            </a:pPr>
+            <a:r>
+              <a:rPr lang="en-US" b="1" dirty="0">
+                <a:latin typeface="Courier New" pitchFamily="49" charset="0"/>
+              </a:rPr>
+              <a:t>  cs1010.mc = </a:t>
+            </a:r>
+            <a:r>
+              <a:rPr lang="en-US" b="1" dirty="0" err="1">
+                <a:latin typeface="Courier New" pitchFamily="49" charset="0"/>
+              </a:rPr>
+              <a:t>hours_spent_per_week</a:t>
+            </a:r>
+            <a:r>
+              <a:rPr lang="en-US" b="1" dirty="0">
+                <a:latin typeface="Courier New" pitchFamily="49" charset="0"/>
+              </a:rPr>
+              <a:t>/</a:t>
+            </a:r>
+            <a:r>
+              <a:rPr lang="en-US" b="1" dirty="0">
+                <a:solidFill>
+                  <a:srgbClr val="C00000"/>
+                </a:solidFill>
+                <a:latin typeface="Courier New" pitchFamily="49" charset="0"/>
+              </a:rPr>
+              <a:t>2.5</a:t>
+            </a:r>
+            <a:r>
+              <a:rPr lang="en-US" b="1" dirty="0">
+                <a:latin typeface="Courier New" pitchFamily="49" charset="0"/>
+              </a:rPr>
+              <a:t>;</a:t>
+            </a:r>
+          </a:p>
+          <a:p>
+            <a:pPr marL="342900" indent="-342900">
+              <a:defRPr/>
+            </a:pPr>
+            <a:r>
+              <a:rPr lang="en-US" b="1" dirty="0">
+                <a:latin typeface="Courier New" pitchFamily="49" charset="0"/>
+              </a:rPr>
+              <a:t>}</a:t>
+            </a:r>
+          </a:p>
+        </p:txBody>
+      </p:sp>
+      <p:sp>
+        <p:nvSpPr>
+          <p:cNvPr id="16" name="Rectangle 8">
+            <a:extLst>
+              <a:ext uri="{FF2B5EF4-FFF2-40B4-BE49-F238E27FC236}">
+                <a16:creationId xmlns:a16="http://schemas.microsoft.com/office/drawing/2014/main" id="{4FF30617-62A0-4BFB-A7F3-B83FE940F792}"/>
+              </a:ext>
+            </a:extLst>
+          </p:cNvPr>
+          <p:cNvSpPr>
+            <a:spLocks noChangeArrowheads="1"/>
+          </p:cNvSpPr>
+          <p:nvPr/>
+        </p:nvSpPr>
+        <p:spPr bwMode="auto">
+          <a:xfrm>
+            <a:off x="1156424" y="4109536"/>
+            <a:ext cx="7635689" cy="1180066"/>
+          </a:xfrm>
+          <a:prstGeom prst="rect">
+            <a:avLst/>
+          </a:prstGeom>
+          <a:solidFill>
+            <a:schemeClr val="bg1"/>
+          </a:solidFill>
+          <a:ln w="25400" algn="ctr">
+            <a:solidFill>
+              <a:srgbClr val="8A8AB9"/>
+            </a:solidFill>
+            <a:miter lim="800000"/>
+            <a:headEnd/>
+            <a:tailEnd/>
+          </a:ln>
+          <a:effectLst>
+            <a:outerShdw dist="38100" dir="2700000" algn="tl" rotWithShape="0">
+              <a:srgbClr val="808080">
+                <a:alpha val="39998"/>
+              </a:srgbClr>
+            </a:outerShdw>
+          </a:effectLst>
+        </p:spPr>
+        <p:txBody>
+          <a:bodyPr/>
+          <a:lstStyle/>
+          <a:p>
+            <a:pPr marL="342900" indent="-342900">
+              <a:defRPr/>
+            </a:pPr>
+            <a:r>
+              <a:rPr lang="en-US" b="1" dirty="0">
+                <a:solidFill>
+                  <a:srgbClr val="0000FF"/>
+                </a:solidFill>
+                <a:latin typeface="Courier New" pitchFamily="49" charset="0"/>
+              </a:rPr>
+              <a:t>void</a:t>
+            </a:r>
+            <a:r>
+              <a:rPr lang="en-US" b="1" dirty="0">
+                <a:latin typeface="Courier New" pitchFamily="49" charset="0"/>
+              </a:rPr>
+              <a:t> </a:t>
+            </a:r>
+            <a:r>
+              <a:rPr lang="en-US" b="1" dirty="0" err="1">
+                <a:latin typeface="Courier New" pitchFamily="49" charset="0"/>
+              </a:rPr>
+              <a:t>update_mc</a:t>
+            </a:r>
+            <a:r>
+              <a:rPr lang="en-US" b="1" dirty="0">
+                <a:latin typeface="Courier New" pitchFamily="49" charset="0"/>
+              </a:rPr>
+              <a:t>(</a:t>
+            </a:r>
+            <a:r>
+              <a:rPr lang="en-US" b="1" dirty="0">
+                <a:solidFill>
+                  <a:srgbClr val="0000FF"/>
+                </a:solidFill>
+                <a:latin typeface="Courier New" pitchFamily="49" charset="0"/>
+              </a:rPr>
+              <a:t>struct</a:t>
+            </a:r>
+            <a:r>
+              <a:rPr lang="en-US" b="1" dirty="0">
+                <a:latin typeface="Courier New" pitchFamily="49" charset="0"/>
+              </a:rPr>
+              <a:t> </a:t>
+            </a:r>
+            <a:r>
+              <a:rPr lang="en-US" b="1" dirty="0">
+                <a:solidFill>
+                  <a:srgbClr val="7030A0"/>
+                </a:solidFill>
+                <a:latin typeface="Courier New" pitchFamily="49" charset="0"/>
+              </a:rPr>
+              <a:t>module</a:t>
+            </a:r>
+            <a:r>
+              <a:rPr lang="en-US" b="1" dirty="0">
+                <a:latin typeface="Courier New" pitchFamily="49" charset="0"/>
+              </a:rPr>
+              <a:t> *cs1010, </a:t>
+            </a:r>
+            <a:br>
+              <a:rPr lang="en-US" b="1" dirty="0">
+                <a:latin typeface="Courier New" pitchFamily="49" charset="0"/>
+              </a:rPr>
+            </a:br>
+            <a:r>
+              <a:rPr lang="en-US" b="1" dirty="0">
+                <a:latin typeface="Courier New" pitchFamily="49" charset="0"/>
+              </a:rPr>
+              <a:t>             </a:t>
+            </a:r>
+            <a:r>
+              <a:rPr lang="en-US" b="1" dirty="0">
+                <a:solidFill>
+                  <a:srgbClr val="0000FF"/>
+                </a:solidFill>
+                <a:latin typeface="Courier New" pitchFamily="49" charset="0"/>
+              </a:rPr>
+              <a:t>long</a:t>
+            </a:r>
+            <a:r>
+              <a:rPr lang="en-US" b="1" dirty="0">
+                <a:latin typeface="Courier New" pitchFamily="49" charset="0"/>
+              </a:rPr>
+              <a:t> </a:t>
+            </a:r>
+            <a:r>
+              <a:rPr lang="en-US" b="1" dirty="0" err="1">
+                <a:latin typeface="Courier New" pitchFamily="49" charset="0"/>
+              </a:rPr>
+              <a:t>hours_spent_per_week</a:t>
+            </a:r>
+            <a:r>
+              <a:rPr lang="en-US" b="1" dirty="0">
+                <a:latin typeface="Courier New" pitchFamily="49" charset="0"/>
+              </a:rPr>
+              <a:t>) {</a:t>
+            </a:r>
+          </a:p>
+          <a:p>
+            <a:pPr marL="342900" indent="-342900">
+              <a:defRPr/>
+            </a:pPr>
+            <a:r>
+              <a:rPr lang="en-US" b="1" dirty="0">
+                <a:latin typeface="Courier New" pitchFamily="49" charset="0"/>
+              </a:rPr>
+              <a:t>  (*cs1010).mc = </a:t>
+            </a:r>
+            <a:r>
+              <a:rPr lang="en-US" b="1" dirty="0" err="1">
+                <a:latin typeface="Courier New" pitchFamily="49" charset="0"/>
+              </a:rPr>
+              <a:t>hours_spent_per_week</a:t>
+            </a:r>
+            <a:r>
+              <a:rPr lang="en-US" b="1" dirty="0">
+                <a:latin typeface="Courier New" pitchFamily="49" charset="0"/>
+              </a:rPr>
+              <a:t>/</a:t>
+            </a:r>
+            <a:r>
+              <a:rPr lang="en-US" b="1" dirty="0">
+                <a:solidFill>
+                  <a:srgbClr val="C00000"/>
+                </a:solidFill>
+                <a:latin typeface="Courier New" pitchFamily="49" charset="0"/>
+              </a:rPr>
+              <a:t>2.5</a:t>
+            </a:r>
+            <a:r>
+              <a:rPr lang="en-US" b="1" dirty="0">
+                <a:latin typeface="Courier New" pitchFamily="49" charset="0"/>
+              </a:rPr>
+              <a:t>;</a:t>
+            </a:r>
+          </a:p>
+          <a:p>
+            <a:pPr marL="342900" indent="-342900">
+              <a:defRPr/>
+            </a:pPr>
+            <a:r>
+              <a:rPr lang="en-US" b="1" dirty="0">
+                <a:latin typeface="Courier New" pitchFamily="49" charset="0"/>
+              </a:rPr>
+              <a:t>}</a:t>
+            </a:r>
+          </a:p>
+        </p:txBody>
+      </p:sp>
+      <p:sp>
+        <p:nvSpPr>
+          <p:cNvPr id="9" name="TextBox 8">
+            <a:extLst>
+              <a:ext uri="{FF2B5EF4-FFF2-40B4-BE49-F238E27FC236}">
+                <a16:creationId xmlns:a16="http://schemas.microsoft.com/office/drawing/2014/main" id="{35D0FDFD-09D3-4172-91D8-194B55C9EC66}"/>
+              </a:ext>
+            </a:extLst>
+          </p:cNvPr>
+          <p:cNvSpPr txBox="1"/>
+          <p:nvPr/>
+        </p:nvSpPr>
+        <p:spPr bwMode="auto">
+          <a:xfrm>
+            <a:off x="5435029" y="5031859"/>
+            <a:ext cx="3251771" cy="646331"/>
+          </a:xfrm>
+          <a:prstGeom prst="rect">
+            <a:avLst/>
+          </a:prstGeom>
+          <a:solidFill>
+            <a:srgbClr val="FFFF99"/>
+          </a:solidFill>
+          <a:ln>
+            <a:solidFill>
+              <a:schemeClr val="tx1"/>
+            </a:solidFill>
+          </a:ln>
+        </p:spPr>
+        <p:txBody>
+          <a:bodyPr wrap="square">
+            <a:spAutoFit/>
+          </a:bodyPr>
+          <a:lstStyle/>
+          <a:p>
+            <a:pPr>
+              <a:defRPr/>
+            </a:pPr>
+            <a:r>
+              <a:rPr lang="en-SG" dirty="0">
+                <a:latin typeface="Arial" charset="0"/>
+                <a:cs typeface="Arial" charset="0"/>
+              </a:rPr>
+              <a:t>More efficient and allow changes to be visible </a:t>
+            </a:r>
+            <a:r>
+              <a:rPr lang="en-SG" dirty="0"/>
+              <a:t>outside.</a:t>
+            </a:r>
+            <a:r>
+              <a:rPr lang="en-SG" dirty="0">
+                <a:latin typeface="Arial" charset="0"/>
+                <a:cs typeface="Arial" charset="0"/>
+              </a:rPr>
+              <a:t> </a:t>
+            </a:r>
+          </a:p>
+        </p:txBody>
+      </p:sp>
+      <p:sp>
+        <p:nvSpPr>
+          <p:cNvPr id="10" name="TextBox 9">
+            <a:extLst>
+              <a:ext uri="{FF2B5EF4-FFF2-40B4-BE49-F238E27FC236}">
+                <a16:creationId xmlns:a16="http://schemas.microsoft.com/office/drawing/2014/main" id="{D38B88D5-D535-4201-A58F-8DB99AEE47E8}"/>
+              </a:ext>
+            </a:extLst>
+          </p:cNvPr>
+          <p:cNvSpPr txBox="1"/>
+          <p:nvPr/>
+        </p:nvSpPr>
+        <p:spPr bwMode="auto">
+          <a:xfrm>
+            <a:off x="4315147" y="2853174"/>
+            <a:ext cx="4371654" cy="646331"/>
+          </a:xfrm>
+          <a:prstGeom prst="rect">
+            <a:avLst/>
+          </a:prstGeom>
+          <a:solidFill>
+            <a:srgbClr val="FFFF99"/>
+          </a:solidFill>
+          <a:ln>
+            <a:solidFill>
+              <a:schemeClr val="tx1"/>
+            </a:solidFill>
+          </a:ln>
+        </p:spPr>
+        <p:txBody>
+          <a:bodyPr wrap="square">
+            <a:spAutoFit/>
+          </a:bodyPr>
+          <a:lstStyle/>
+          <a:p>
+            <a:pPr>
+              <a:defRPr/>
+            </a:pPr>
+            <a:r>
+              <a:rPr lang="en-SG" dirty="0">
+                <a:latin typeface="Arial" charset="0"/>
+                <a:cs typeface="Arial" charset="0"/>
+              </a:rPr>
+              <a:t>Values copied component by component and changes not visible </a:t>
+            </a:r>
+            <a:r>
+              <a:rPr lang="en-SG" dirty="0"/>
+              <a:t>outside.</a:t>
+            </a:r>
+            <a:r>
+              <a:rPr lang="en-SG" dirty="0">
+                <a:latin typeface="Arial" charset="0"/>
+                <a:cs typeface="Arial" charset="0"/>
+              </a:rPr>
+              <a:t> </a:t>
+            </a:r>
+          </a:p>
+        </p:txBody>
+      </p:sp>
+      <p:sp>
+        <p:nvSpPr>
+          <p:cNvPr id="13" name="Rectangle 8">
+            <a:extLst>
+              <a:ext uri="{FF2B5EF4-FFF2-40B4-BE49-F238E27FC236}">
+                <a16:creationId xmlns:a16="http://schemas.microsoft.com/office/drawing/2014/main" id="{7C1E4480-EEB2-4874-9F94-6B5904CCE773}"/>
+              </a:ext>
+            </a:extLst>
+          </p:cNvPr>
+          <p:cNvSpPr>
+            <a:spLocks noChangeArrowheads="1"/>
+          </p:cNvSpPr>
+          <p:nvPr/>
+        </p:nvSpPr>
+        <p:spPr bwMode="auto">
+          <a:xfrm>
+            <a:off x="1057940" y="5814111"/>
+            <a:ext cx="5416340" cy="403507"/>
+          </a:xfrm>
+          <a:prstGeom prst="rect">
+            <a:avLst/>
+          </a:prstGeom>
+          <a:solidFill>
+            <a:schemeClr val="bg1"/>
+          </a:solidFill>
+          <a:ln w="25400" algn="ctr">
+            <a:solidFill>
+              <a:srgbClr val="8A8AB9"/>
+            </a:solidFill>
+            <a:miter lim="800000"/>
+            <a:headEnd/>
+            <a:tailEnd/>
+          </a:ln>
+          <a:effectLst>
+            <a:outerShdw dist="38100" dir="2700000" algn="tl" rotWithShape="0">
+              <a:srgbClr val="808080">
+                <a:alpha val="39998"/>
+              </a:srgbClr>
+            </a:outerShdw>
+          </a:effectLst>
+        </p:spPr>
+        <p:txBody>
+          <a:bodyPr/>
+          <a:lstStyle/>
+          <a:p>
+            <a:pPr marL="342900" indent="-342900">
+              <a:defRPr/>
+            </a:pPr>
+            <a:r>
+              <a:rPr lang="en-US" b="1" dirty="0">
+                <a:latin typeface="Courier New" pitchFamily="49" charset="0"/>
+              </a:rPr>
+              <a:t>cs1010</a:t>
+            </a:r>
+            <a:r>
+              <a:rPr lang="en-US" b="1" dirty="0">
+                <a:solidFill>
+                  <a:srgbClr val="FF0000"/>
+                </a:solidFill>
+                <a:latin typeface="Courier New" pitchFamily="49" charset="0"/>
+              </a:rPr>
+              <a:t>-&gt;</a:t>
+            </a:r>
+            <a:r>
+              <a:rPr lang="en-US" b="1" dirty="0">
+                <a:latin typeface="Courier New" pitchFamily="49" charset="0"/>
+              </a:rPr>
+              <a:t>mc = </a:t>
+            </a:r>
+            <a:r>
+              <a:rPr lang="en-US" b="1" dirty="0" err="1">
+                <a:latin typeface="Courier New" pitchFamily="49" charset="0"/>
+              </a:rPr>
+              <a:t>hours_spent_per_week</a:t>
+            </a:r>
+            <a:r>
+              <a:rPr lang="en-US" b="1" dirty="0">
+                <a:latin typeface="Courier New" pitchFamily="49" charset="0"/>
+              </a:rPr>
+              <a:t>/</a:t>
+            </a:r>
+            <a:r>
+              <a:rPr lang="en-US" b="1" dirty="0">
+                <a:solidFill>
+                  <a:srgbClr val="C00000"/>
+                </a:solidFill>
+                <a:latin typeface="Courier New" pitchFamily="49" charset="0"/>
+              </a:rPr>
+              <a:t>2.5</a:t>
+            </a:r>
+            <a:r>
+              <a:rPr lang="en-US" b="1" dirty="0">
+                <a:latin typeface="Courier New" pitchFamily="49" charset="0"/>
+              </a:rPr>
+              <a:t>;</a:t>
+            </a:r>
+          </a:p>
+          <a:p>
+            <a:pPr marL="342900" indent="-342900">
+              <a:defRPr/>
+            </a:pPr>
+            <a:endParaRPr lang="en-US" sz="2000" b="1" dirty="0">
+              <a:latin typeface="Courier New" pitchFamily="49" charset="0"/>
+            </a:endParaRPr>
+          </a:p>
+        </p:txBody>
+      </p:sp>
+      <p:sp>
+        <p:nvSpPr>
+          <p:cNvPr id="14" name="TextBox 13">
+            <a:extLst>
+              <a:ext uri="{FF2B5EF4-FFF2-40B4-BE49-F238E27FC236}">
+                <a16:creationId xmlns:a16="http://schemas.microsoft.com/office/drawing/2014/main" id="{BB99A7D1-5F5C-4684-93FF-87CAEAA26D2B}"/>
+              </a:ext>
+            </a:extLst>
+          </p:cNvPr>
+          <p:cNvSpPr txBox="1"/>
+          <p:nvPr/>
+        </p:nvSpPr>
+        <p:spPr bwMode="auto">
+          <a:xfrm>
+            <a:off x="1098967" y="6288563"/>
+            <a:ext cx="4336062" cy="369332"/>
+          </a:xfrm>
+          <a:prstGeom prst="rect">
+            <a:avLst/>
+          </a:prstGeom>
+          <a:solidFill>
+            <a:srgbClr val="FFFF99"/>
+          </a:solidFill>
+          <a:ln>
+            <a:solidFill>
+              <a:schemeClr val="tx1"/>
+            </a:solidFill>
+          </a:ln>
+        </p:spPr>
+        <p:txBody>
+          <a:bodyPr wrap="square">
+            <a:spAutoFit/>
+          </a:bodyPr>
+          <a:lstStyle/>
+          <a:p>
+            <a:pPr>
+              <a:defRPr/>
+            </a:pPr>
+            <a:r>
+              <a:rPr lang="en-SG" dirty="0">
+                <a:latin typeface="Arial" charset="0"/>
+                <a:cs typeface="Arial" charset="0"/>
+              </a:rPr>
+              <a:t>Using the arrow operator as a shorthand.</a:t>
+            </a:r>
+          </a:p>
+        </p:txBody>
+      </p:sp>
+    </p:spTree>
+    <p:extLst>
+      <p:ext uri="{BB962C8B-B14F-4D97-AF65-F5344CB8AC3E}">
+        <p14:creationId xmlns:p14="http://schemas.microsoft.com/office/powerpoint/2010/main" val="2524073575"/>
+      </p:ext>
+    </p:extLst>
+  </p:cSld>
+  <p:clrMapOvr>
+    <a:masterClrMapping/>
+  </p:clrMapOvr>
+  <p:transition>
+    <p:fade/>
+  </p:transition>
   <p:timing>
     <p:tnLst>
       <p:par>
@@ -27350,9 +25344,6 @@
                     <p:cTn id="3" fill="hold">
                       <p:stCondLst>
                         <p:cond delay="indefinite"/>
-                        <p:cond evt="onBegin" delay="0">
-                          <p:tn val="2"/>
-                        </p:cond>
                       </p:stCondLst>
                       <p:childTnLst>
                         <p:par>
@@ -27362,7 +25353,7 @@
                             </p:stCondLst>
                             <p:childTnLst>
                               <p:par>
-                                <p:cTn id="5" presetID="9" presetClass="entr" presetSubtype="0" fill="hold" grpId="0" nodeType="afterEffect">
+                                <p:cTn id="5" presetID="9" presetClass="entr" presetSubtype="0" fill="hold" grpId="0" nodeType="clickEffect">
                                   <p:stCondLst>
                                     <p:cond delay="0"/>
                                   </p:stCondLst>
@@ -27399,21 +25390,30 @@
                             </p:childTnLst>
                           </p:cTn>
                         </p:par>
+                      </p:childTnLst>
+                    </p:cTn>
+                  </p:par>
+                  <p:par>
+                    <p:cTn id="8" fill="hold">
+                      <p:stCondLst>
+                        <p:cond delay="indefinite"/>
+                      </p:stCondLst>
+                      <p:childTnLst>
                         <p:par>
-                          <p:cTn id="8" fill="hold">
+                          <p:cTn id="9" fill="hold">
                             <p:stCondLst>
-                              <p:cond delay="500"/>
+                              <p:cond delay="0"/>
                             </p:stCondLst>
                             <p:childTnLst>
                               <p:par>
-                                <p:cTn id="9" presetID="9" presetClass="entr" presetSubtype="0" fill="hold" grpId="0" nodeType="afterEffect">
+                                <p:cTn id="10" presetID="9" presetClass="entr" presetSubtype="0" fill="hold" grpId="0" nodeType="clickEffect">
                                   <p:stCondLst>
                                     <p:cond delay="0"/>
                                   </p:stCondLst>
                                   <p:childTnLst>
                                     <p:set>
                                       <p:cBhvr>
-                                        <p:cTn id="10" dur="1" fill="hold">
+                                        <p:cTn id="11" dur="1" fill="hold">
                                           <p:stCondLst>
                                             <p:cond delay="0"/>
                                           </p:stCondLst>
@@ -27431,9 +25431,44 @@
                                     </p:set>
                                     <p:animEffect transition="in" filter="dissolve">
                                       <p:cBhvr>
-                                        <p:cTn id="11" dur="500"/>
+                                        <p:cTn id="12" dur="500"/>
                                         <p:tgtEl>
                                           <p:spTgt spid="16"/>
+                                        </p:tgtEl>
+                                      </p:cBhvr>
+                                    </p:animEffect>
+                                  </p:childTnLst>
+                                </p:cTn>
+                              </p:par>
+                              <p:par>
+                                <p:cTn id="13" presetID="9" presetClass="entr" presetSubtype="0" fill="hold" grpId="0" nodeType="withEffect">
+                                  <p:stCondLst>
+                                    <p:cond delay="0"/>
+                                  </p:stCondLst>
+                                  <p:childTnLst>
+                                    <p:set>
+                                      <p:cBhvr>
+                                        <p:cTn id="14" dur="1" fill="hold">
+                                          <p:stCondLst>
+                                            <p:cond delay="0"/>
+                                          </p:stCondLst>
+                                        </p:cTn>
+                                        <p:tgtEl>
+                                          <p:spTgt spid="13"/>
+                                        </p:tgtEl>
+                                        <p:attrNameLst>
+                                          <p:attrName>style.visibility</p:attrName>
+                                        </p:attrNameLst>
+                                      </p:cBhvr>
+                                      <p:to>
+                                        <p:strVal val="visible"/>
+                                      </p:to>
+                                    </p:set>
+                                    <p:animEffect transition="in" filter="dissolve">
+                                      <p:cBhvr>
+                                        <p:cTn id="15" dur="500"/>
+                                        <p:tgtEl>
+                                          <p:spTgt spid="13"/>
                                         </p:tgtEl>
                                       </p:cBhvr>
                                     </p:animEffect>
@@ -27470,6 +25505,7 @@
     <p:bldLst>
       <p:bldP spid="15" grpId="0" animBg="1"/>
       <p:bldP spid="16" grpId="0" animBg="1"/>
+      <p:bldP spid="13" grpId="0" animBg="1"/>
     </p:bldLst>
   </p:timing>
 </p:sld>

--- a/slides/Unit28_Struct.pptx
+++ b/slides/Unit28_Struct.pptx
@@ -186,7 +186,7 @@
 <file path=ppt/revisionInfo.xml><?xml version="1.0" encoding="utf-8"?>
 <p1510:revInfo xmlns:a="http://schemas.openxmlformats.org/drawingml/2006/main" xmlns:r="http://schemas.openxmlformats.org/officeDocument/2006/relationships" xmlns:p1510="http://schemas.microsoft.com/office/powerpoint/2015/10/main">
   <p1510:revLst>
-    <p1510:client id="{2F5160B5-190D-47F4-8B49-2756B7773FD5}" v="921" dt="2021-04-05T01:11:39.063"/>
+    <p1510:client id="{2F5160B5-190D-47F4-8B49-2756B7773FD5}" v="932" dt="2021-04-06T05:17:49.620"/>
   </p1510:revLst>
 </p1510:revInfo>
 </file>
@@ -4679,7 +4679,7 @@
   <pc:docChgLst>
     <pc:chgData name="Zhao Jin" userId="cd05a825-544c-438a-9ba1-08e63db50b47" providerId="ADAL" clId="{2F5160B5-190D-47F4-8B49-2756B7773FD5}"/>
     <pc:docChg chg="undo custSel addSld delSld modSld">
-      <pc:chgData name="Zhao Jin" userId="cd05a825-544c-438a-9ba1-08e63db50b47" providerId="ADAL" clId="{2F5160B5-190D-47F4-8B49-2756B7773FD5}" dt="2021-04-05T01:11:39.063" v="4068"/>
+      <pc:chgData name="Zhao Jin" userId="cd05a825-544c-438a-9ba1-08e63db50b47" providerId="ADAL" clId="{2F5160B5-190D-47F4-8B49-2756B7773FD5}" dt="2021-04-06T05:17:49.620" v="4079" actId="207"/>
       <pc:docMkLst>
         <pc:docMk/>
       </pc:docMkLst>
@@ -5493,7 +5493,7 @@
         </pc:sldMkLst>
       </pc:sldChg>
       <pc:sldChg chg="addSp delSp modSp add mod delAnim modAnim">
-        <pc:chgData name="Zhao Jin" userId="cd05a825-544c-438a-9ba1-08e63db50b47" providerId="ADAL" clId="{2F5160B5-190D-47F4-8B49-2756B7773FD5}" dt="2021-04-05T01:11:39.063" v="4068"/>
+        <pc:chgData name="Zhao Jin" userId="cd05a825-544c-438a-9ba1-08e63db50b47" providerId="ADAL" clId="{2F5160B5-190D-47F4-8B49-2756B7773FD5}" dt="2021-04-06T05:17:49.620" v="4079" actId="207"/>
         <pc:sldMkLst>
           <pc:docMk/>
           <pc:sldMk cId="997017972" sldId="650"/>
@@ -5531,7 +5531,7 @@
           </ac:spMkLst>
         </pc:spChg>
         <pc:spChg chg="add mod">
-          <ac:chgData name="Zhao Jin" userId="cd05a825-544c-438a-9ba1-08e63db50b47" providerId="ADAL" clId="{2F5160B5-190D-47F4-8B49-2756B7773FD5}" dt="2021-03-16T06:18:47.964" v="3703" actId="1036"/>
+          <ac:chgData name="Zhao Jin" userId="cd05a825-544c-438a-9ba1-08e63db50b47" providerId="ADAL" clId="{2F5160B5-190D-47F4-8B49-2756B7773FD5}" dt="2021-04-06T05:17:07.662" v="4078" actId="20577"/>
           <ac:spMkLst>
             <pc:docMk/>
             <pc:sldMk cId="997017972" sldId="650"/>
@@ -5539,7 +5539,7 @@
           </ac:spMkLst>
         </pc:spChg>
         <pc:spChg chg="add mod">
-          <ac:chgData name="Zhao Jin" userId="cd05a825-544c-438a-9ba1-08e63db50b47" providerId="ADAL" clId="{2F5160B5-190D-47F4-8B49-2756B7773FD5}" dt="2021-03-16T06:18:47.964" v="3703" actId="1036"/>
+          <ac:chgData name="Zhao Jin" userId="cd05a825-544c-438a-9ba1-08e63db50b47" providerId="ADAL" clId="{2F5160B5-190D-47F4-8B49-2756B7773FD5}" dt="2021-04-06T05:17:49.620" v="4079" actId="207"/>
           <ac:spMkLst>
             <pc:docMk/>
             <pc:sldMk cId="997017972" sldId="650"/>
@@ -5618,8 +5618,8 @@
             <ac:spMk id="23" creationId="{41B47849-967C-4D16-A8E9-D329B7EFBFD7}"/>
           </ac:spMkLst>
         </pc:spChg>
-        <pc:spChg chg="add mod">
-          <ac:chgData name="Zhao Jin" userId="cd05a825-544c-438a-9ba1-08e63db50b47" providerId="ADAL" clId="{2F5160B5-190D-47F4-8B49-2756B7773FD5}" dt="2021-03-16T06:18:54.512" v="3704" actId="20577"/>
+        <pc:spChg chg="add mod ord">
+          <ac:chgData name="Zhao Jin" userId="cd05a825-544c-438a-9ba1-08e63db50b47" providerId="ADAL" clId="{2F5160B5-190D-47F4-8B49-2756B7773FD5}" dt="2021-04-06T05:14:27.780" v="4071" actId="167"/>
           <ac:spMkLst>
             <pc:docMk/>
             <pc:sldMk cId="997017972" sldId="650"/>
@@ -10066,7 +10066,7 @@
               <a:pPr>
                 <a:defRPr/>
               </a:pPr>
-              <a:t>4/5/2021</a:t>
+              <a:t>4/6/2021</a:t>
             </a:fld>
             <a:endParaRPr lang="en-US" dirty="0"/>
           </a:p>
@@ -16189,6 +16189,127 @@
       </p:grpSpPr>
       <p:sp>
         <p:nvSpPr>
+          <p:cNvPr id="24" name="Rectangle 8">
+            <a:extLst>
+              <a:ext uri="{FF2B5EF4-FFF2-40B4-BE49-F238E27FC236}">
+                <a16:creationId xmlns:a16="http://schemas.microsoft.com/office/drawing/2014/main" id="{793BC6DB-2155-470B-9458-43CFA2CF6575}"/>
+              </a:ext>
+            </a:extLst>
+          </p:cNvPr>
+          <p:cNvSpPr>
+            <a:spLocks noChangeArrowheads="1"/>
+          </p:cNvSpPr>
+          <p:nvPr/>
+        </p:nvSpPr>
+        <p:spPr bwMode="auto">
+          <a:xfrm>
+            <a:off x="733425" y="1460500"/>
+            <a:ext cx="8181975" cy="6532793"/>
+          </a:xfrm>
+          <a:prstGeom prst="rect">
+            <a:avLst/>
+          </a:prstGeom>
+          <a:noFill/>
+          <a:ln w="9525">
+            <a:noFill/>
+            <a:miter lim="800000"/>
+            <a:headEnd/>
+            <a:tailEnd/>
+          </a:ln>
+        </p:spPr>
+        <p:txBody>
+          <a:bodyPr/>
+          <a:lstStyle/>
+          <a:p>
+            <a:pPr marL="342900" indent="-342900">
+              <a:spcBef>
+                <a:spcPts val="600"/>
+              </a:spcBef>
+              <a:buClr>
+                <a:schemeClr val="tx1">
+                  <a:lumMod val="90000"/>
+                  <a:lumOff val="10000"/>
+                </a:schemeClr>
+              </a:buClr>
+              <a:buSzPct val="100000"/>
+              <a:buFont typeface="Wingdings" panose="05000000000000000000" pitchFamily="2" charset="2"/>
+              <a:buChar char="§"/>
+            </a:pPr>
+            <a:r>
+              <a:rPr lang="en-US" sz="2400" dirty="0"/>
+              <a:t>typedef allows new data types to be defined.</a:t>
+            </a:r>
+          </a:p>
+          <a:p>
+            <a:pPr marL="800100" lvl="1" indent="-342900">
+              <a:spcBef>
+                <a:spcPts val="600"/>
+              </a:spcBef>
+              <a:buClr>
+                <a:schemeClr val="tx1">
+                  <a:lumMod val="90000"/>
+                  <a:lumOff val="10000"/>
+                </a:schemeClr>
+              </a:buClr>
+              <a:buSzPct val="100000"/>
+              <a:buFont typeface="Wingdings" panose="05000000000000000000" pitchFamily="2" charset="2"/>
+              <a:buChar char="§"/>
+            </a:pPr>
+            <a:endParaRPr lang="en-US" sz="2400" dirty="0"/>
+          </a:p>
+          <a:p>
+            <a:pPr marL="800100" lvl="1" indent="-342900">
+              <a:spcBef>
+                <a:spcPts val="600"/>
+              </a:spcBef>
+              <a:buClr>
+                <a:schemeClr val="tx1">
+                  <a:lumMod val="90000"/>
+                  <a:lumOff val="10000"/>
+                </a:schemeClr>
+              </a:buClr>
+              <a:buSzPct val="100000"/>
+              <a:buFont typeface="Wingdings" panose="05000000000000000000" pitchFamily="2" charset="2"/>
+              <a:buChar char="§"/>
+            </a:pPr>
+            <a:endParaRPr lang="en-US" sz="2400" dirty="0"/>
+          </a:p>
+          <a:p>
+            <a:pPr marL="800100" lvl="1" indent="-342900">
+              <a:spcBef>
+                <a:spcPts val="600"/>
+              </a:spcBef>
+              <a:buClr>
+                <a:schemeClr val="tx1">
+                  <a:lumMod val="90000"/>
+                  <a:lumOff val="10000"/>
+                </a:schemeClr>
+              </a:buClr>
+              <a:buSzPct val="100000"/>
+              <a:buFont typeface="Wingdings" panose="05000000000000000000" pitchFamily="2" charset="2"/>
+              <a:buChar char="§"/>
+            </a:pPr>
+            <a:endParaRPr lang="en-US" sz="2400" dirty="0"/>
+          </a:p>
+          <a:p>
+            <a:pPr lvl="1">
+              <a:spcBef>
+                <a:spcPts val="600"/>
+              </a:spcBef>
+              <a:buClr>
+                <a:schemeClr val="tx1">
+                  <a:lumMod val="90000"/>
+                  <a:lumOff val="10000"/>
+                </a:schemeClr>
+              </a:buClr>
+              <a:buSzPct val="100000"/>
+            </a:pPr>
+            <a:endParaRPr lang="en-US" sz="1600" dirty="0"/>
+          </a:p>
+        </p:txBody>
+      </p:sp>
+      <p:sp>
+        <p:nvSpPr>
           <p:cNvPr id="14338" name="Rectangle 2"/>
           <p:cNvSpPr>
             <a:spLocks noGrp="1" noChangeArrowheads="1"/>
@@ -16771,7 +16892,7 @@
                 </a:solidFill>
                 <a:latin typeface="Courier New" pitchFamily="49" charset="0"/>
               </a:rPr>
-              <a:t>}</a:t>
+              <a:t>} module</a:t>
             </a:r>
             <a:r>
               <a:rPr lang="en-US" sz="2000" b="1" dirty="0">
@@ -17014,18 +17135,9 @@
             </a:r>
             <a:r>
               <a:rPr lang="en-US" sz="2000" b="1" dirty="0">
-                <a:solidFill>
-                  <a:srgbClr val="7030A0"/>
-                </a:solidFill>
-                <a:latin typeface="Courier New" pitchFamily="49" charset="0"/>
-              </a:rPr>
-              <a:t>module</a:t>
-            </a:r>
-            <a:r>
-              <a:rPr lang="en-US" sz="2000" b="1" dirty="0">
-                <a:latin typeface="Courier New" pitchFamily="49" charset="0"/>
-              </a:rPr>
-              <a:t>;</a:t>
+                <a:latin typeface="Courier New" pitchFamily="49" charset="0"/>
+              </a:rPr>
+              <a:t>module;</a:t>
             </a:r>
           </a:p>
           <a:p>
@@ -17225,127 +17337,6 @@
                 <a:srgbClr val="FF0000"/>
               </a:solidFill>
             </a:endParaRPr>
-          </a:p>
-        </p:txBody>
-      </p:sp>
-      <p:sp>
-        <p:nvSpPr>
-          <p:cNvPr id="24" name="Rectangle 8">
-            <a:extLst>
-              <a:ext uri="{FF2B5EF4-FFF2-40B4-BE49-F238E27FC236}">
-                <a16:creationId xmlns:a16="http://schemas.microsoft.com/office/drawing/2014/main" id="{793BC6DB-2155-470B-9458-43CFA2CF6575}"/>
-              </a:ext>
-            </a:extLst>
-          </p:cNvPr>
-          <p:cNvSpPr>
-            <a:spLocks noChangeArrowheads="1"/>
-          </p:cNvSpPr>
-          <p:nvPr/>
-        </p:nvSpPr>
-        <p:spPr bwMode="auto">
-          <a:xfrm>
-            <a:off x="733425" y="1460500"/>
-            <a:ext cx="8181975" cy="6532793"/>
-          </a:xfrm>
-          <a:prstGeom prst="rect">
-            <a:avLst/>
-          </a:prstGeom>
-          <a:noFill/>
-          <a:ln w="9525">
-            <a:noFill/>
-            <a:miter lim="800000"/>
-            <a:headEnd/>
-            <a:tailEnd/>
-          </a:ln>
-        </p:spPr>
-        <p:txBody>
-          <a:bodyPr/>
-          <a:lstStyle/>
-          <a:p>
-            <a:pPr marL="342900" indent="-342900">
-              <a:spcBef>
-                <a:spcPts val="600"/>
-              </a:spcBef>
-              <a:buClr>
-                <a:schemeClr val="tx1">
-                  <a:lumMod val="90000"/>
-                  <a:lumOff val="10000"/>
-                </a:schemeClr>
-              </a:buClr>
-              <a:buSzPct val="100000"/>
-              <a:buFont typeface="Wingdings" panose="05000000000000000000" pitchFamily="2" charset="2"/>
-              <a:buChar char="§"/>
-            </a:pPr>
-            <a:r>
-              <a:rPr lang="en-US" sz="2400" dirty="0"/>
-              <a:t>typedef allows new data types to be defined.</a:t>
-            </a:r>
-          </a:p>
-          <a:p>
-            <a:pPr marL="800100" lvl="1" indent="-342900">
-              <a:spcBef>
-                <a:spcPts val="600"/>
-              </a:spcBef>
-              <a:buClr>
-                <a:schemeClr val="tx1">
-                  <a:lumMod val="90000"/>
-                  <a:lumOff val="10000"/>
-                </a:schemeClr>
-              </a:buClr>
-              <a:buSzPct val="100000"/>
-              <a:buFont typeface="Wingdings" panose="05000000000000000000" pitchFamily="2" charset="2"/>
-              <a:buChar char="§"/>
-            </a:pPr>
-            <a:endParaRPr lang="en-US" sz="2400" dirty="0"/>
-          </a:p>
-          <a:p>
-            <a:pPr marL="800100" lvl="1" indent="-342900">
-              <a:spcBef>
-                <a:spcPts val="600"/>
-              </a:spcBef>
-              <a:buClr>
-                <a:schemeClr val="tx1">
-                  <a:lumMod val="90000"/>
-                  <a:lumOff val="10000"/>
-                </a:schemeClr>
-              </a:buClr>
-              <a:buSzPct val="100000"/>
-              <a:buFont typeface="Wingdings" panose="05000000000000000000" pitchFamily="2" charset="2"/>
-              <a:buChar char="§"/>
-            </a:pPr>
-            <a:endParaRPr lang="en-US" sz="2400" dirty="0"/>
-          </a:p>
-          <a:p>
-            <a:pPr marL="800100" lvl="1" indent="-342900">
-              <a:spcBef>
-                <a:spcPts val="600"/>
-              </a:spcBef>
-              <a:buClr>
-                <a:schemeClr val="tx1">
-                  <a:lumMod val="90000"/>
-                  <a:lumOff val="10000"/>
-                </a:schemeClr>
-              </a:buClr>
-              <a:buSzPct val="100000"/>
-              <a:buFont typeface="Wingdings" panose="05000000000000000000" pitchFamily="2" charset="2"/>
-              <a:buChar char="§"/>
-            </a:pPr>
-            <a:endParaRPr lang="en-US" sz="2400" dirty="0"/>
-          </a:p>
-          <a:p>
-            <a:pPr lvl="1">
-              <a:spcBef>
-                <a:spcPts val="600"/>
-              </a:spcBef>
-              <a:buClr>
-                <a:schemeClr val="tx1">
-                  <a:lumMod val="90000"/>
-                  <a:lumOff val="10000"/>
-                </a:schemeClr>
-              </a:buClr>
-              <a:buSzPct val="100000"/>
-            </a:pPr>
-            <a:endParaRPr lang="en-US" sz="1600" dirty="0"/>
           </a:p>
         </p:txBody>
       </p:sp>
